--- a/Clinics7_7_16.pptx
+++ b/Clinics7_7_16.pptx
@@ -9,6 +9,7 @@
     <p:sldId id="296" r:id="rId3"/>
     <p:sldId id="297" r:id="rId4"/>
     <p:sldId id="298" r:id="rId5"/>
+    <p:sldId id="299" r:id="rId6"/>
   </p:sldIdLst>
   <p:sldSz cx="9144000" cy="6858000" type="screen4x3"/>
   <p:notesSz cx="6858000" cy="9144000"/>
@@ -109,7 +110,7 @@
   </p:defaultTextStyle>
   <p:extLst>
     <p:ext uri="{EFAFB233-063F-42B5-8137-9DF3F51BA10A}">
-      <p15:sldGuideLst xmlns:p15="http://schemas.microsoft.com/office/powerpoint/2012/main" xmlns="">
+      <p15:sldGuideLst xmlns="" xmlns:p15="http://schemas.microsoft.com/office/powerpoint/2012/main">
         <p15:guide id="1" orient="horz" pos="2160">
           <p15:clr>
             <a:srgbClr val="A4A3A4"/>
@@ -3200,10 +3201,6 @@
               <a:rPr lang="en-US" sz="2000" dirty="0" smtClean="0"/>
               <a:t>Methodology and Progress So Far</a:t>
             </a:r>
-            <a:r>
-              <a:rPr lang="en-US" sz="2000" dirty="0" smtClean="0"/>
-              <a:t/>
-            </a:r>
             <a:br>
               <a:rPr lang="en-US" sz="2000" dirty="0" smtClean="0"/>
             </a:br>
@@ -3229,7 +3226,7 @@
         </p:spPr>
         <p:txBody>
           <a:bodyPr>
-            <a:normAutofit fontScale="92500"/>
+            <a:normAutofit lnSpcReduction="10000"/>
           </a:bodyPr>
           <a:lstStyle/>
           <a:p>
@@ -3247,21 +3244,62 @@
             </a:r>
           </a:p>
           <a:p>
-            <a:pPr lvl="1"/>
+            <a:pPr lvl="1">
+              <a:buFont typeface="Arial" panose="020B0604020202020204" pitchFamily="34" charset="0"/>
+              <a:buChar char="•"/>
+            </a:pPr>
             <a:r>
               <a:rPr lang="en-US" b="1" dirty="0" smtClean="0"/>
-              <a:t>Created ‘administrator list’ of probable problem areas</a:t>
-            </a:r>
-          </a:p>
-          <a:p>
-            <a:pPr lvl="1"/>
+              <a:t>Created ‘administrator </a:t>
+            </a:r>
             <a:r>
               <a:rPr lang="en-US" b="1" dirty="0" smtClean="0"/>
-              <a:t>Plan: Collect problem lists from MD’s and PC’s working in the clinics</a:t>
-            </a:r>
+              <a:t>perceived’ list </a:t>
+            </a:r>
+            <a:r>
+              <a:rPr lang="en-US" b="1" dirty="0" smtClean="0"/>
+              <a:t>of probable problem areas</a:t>
+            </a:r>
+          </a:p>
+          <a:p>
+            <a:pPr lvl="1">
+              <a:buFont typeface="Arial" panose="020B0604020202020204" pitchFamily="34" charset="0"/>
+              <a:buChar char="•"/>
+            </a:pPr>
+            <a:r>
+              <a:rPr lang="en-US" b="1" dirty="0" smtClean="0"/>
+              <a:t>Plan: </a:t>
+            </a:r>
+            <a:endParaRPr lang="en-US" b="1" dirty="0" smtClean="0"/>
           </a:p>
           <a:p>
             <a:pPr lvl="2"/>
+            <a:r>
+              <a:rPr lang="en-US" b="1" dirty="0" smtClean="0"/>
+              <a:t>Collect problems </a:t>
+            </a:r>
+            <a:r>
+              <a:rPr lang="en-US" b="1" dirty="0" smtClean="0"/>
+              <a:t>as perceived by </a:t>
+            </a:r>
+            <a:r>
+              <a:rPr lang="en-US" b="1" dirty="0" smtClean="0"/>
+              <a:t>MD’s </a:t>
+            </a:r>
+            <a:r>
+              <a:rPr lang="en-US" b="1" dirty="0" smtClean="0"/>
+              <a:t>and PC’s working in </a:t>
+            </a:r>
+            <a:r>
+              <a:rPr lang="en-US" b="1" dirty="0" smtClean="0"/>
+              <a:t>clinics</a:t>
+            </a:r>
+          </a:p>
+          <a:p>
+            <a:pPr lvl="3">
+              <a:buFont typeface="Arial" panose="020B0604020202020204" pitchFamily="34" charset="0"/>
+              <a:buChar char="•"/>
+            </a:pPr>
             <a:r>
               <a:rPr lang="en-US" b="1" dirty="0" err="1" smtClean="0"/>
               <a:t>Herminia</a:t>
@@ -3280,15 +3318,54 @@
             </a:r>
             <a:r>
               <a:rPr lang="en-US" b="1" dirty="0" smtClean="0"/>
-              <a:t> – MD info</a:t>
+              <a:t> – MD </a:t>
+            </a:r>
+            <a:r>
+              <a:rPr lang="en-US" b="1" dirty="0" smtClean="0"/>
+              <a:t>perceived problems</a:t>
+            </a:r>
+            <a:endParaRPr lang="en-US" b="1" dirty="0" smtClean="0"/>
+          </a:p>
+          <a:p>
+            <a:pPr lvl="3">
+              <a:buFont typeface="Arial" panose="020B0604020202020204" pitchFamily="34" charset="0"/>
+              <a:buChar char="•"/>
+            </a:pPr>
+            <a:r>
+              <a:rPr lang="en-US" b="1" dirty="0" smtClean="0"/>
+              <a:t>John Mahon – PC </a:t>
+            </a:r>
+            <a:r>
+              <a:rPr lang="en-US" b="1" dirty="0" smtClean="0"/>
+              <a:t>perceived problems</a:t>
             </a:r>
           </a:p>
           <a:p>
             <a:pPr lvl="2"/>
             <a:r>
+              <a:rPr lang="en-US" b="1" dirty="0"/>
+              <a:t>Give lists to Mentis </a:t>
+            </a:r>
+            <a:r>
               <a:rPr lang="en-US" b="1" dirty="0" smtClean="0"/>
-              <a:t>John Mahon – PC info</a:t>
-            </a:r>
+              <a:t>to create ‘Clinic Questionnaire’</a:t>
+            </a:r>
+          </a:p>
+          <a:p>
+            <a:pPr lvl="2"/>
+            <a:r>
+              <a:rPr lang="en-US" b="1" dirty="0" smtClean="0"/>
+              <a:t>Mentis to Present ‘Clinic Questionnaire’ to committee </a:t>
+            </a:r>
+            <a:r>
+              <a:rPr lang="en-US" b="1" dirty="0"/>
+              <a:t>in two </a:t>
+            </a:r>
+            <a:r>
+              <a:rPr lang="en-US" b="1" dirty="0" smtClean="0"/>
+              <a:t>weeks</a:t>
+            </a:r>
+            <a:endParaRPr lang="en-US" b="1" dirty="0" smtClean="0"/>
           </a:p>
           <a:p>
             <a:r>
@@ -3297,52 +3374,27 @@
                   <a:srgbClr val="FFFF00"/>
                 </a:solidFill>
               </a:rPr>
-              <a:t>5/24/16</a:t>
+              <a:t>5/24/16:</a:t>
             </a:r>
             <a:r>
               <a:rPr lang="en-US" b="1" dirty="0" smtClean="0"/>
-              <a:t> – Problems identified by MD’s</a:t>
-            </a:r>
-          </a:p>
-          <a:p>
-            <a:pPr lvl="1"/>
+              <a:t> MD perceived problems to Mentis</a:t>
+            </a:r>
+          </a:p>
+          <a:p>
+            <a:r>
+              <a:rPr lang="en-US" b="1" dirty="0" smtClean="0">
+                <a:solidFill>
+                  <a:srgbClr val="FFFF00"/>
+                </a:solidFill>
+              </a:rPr>
+              <a:t>6/16/16:</a:t>
+            </a:r>
             <a:r>
               <a:rPr lang="en-US" b="1" dirty="0" smtClean="0"/>
-              <a:t>Minnie created word document</a:t>
-            </a:r>
-          </a:p>
-          <a:p>
-            <a:pPr lvl="1"/>
-            <a:r>
-              <a:rPr lang="en-US" b="1" dirty="0" smtClean="0"/>
-              <a:t>Filled out by 10 MDs</a:t>
+              <a:t> PC perceived problems to Mentis</a:t>
             </a:r>
             <a:endParaRPr lang="en-US" b="1" dirty="0" smtClean="0"/>
-          </a:p>
-          <a:p>
-            <a:pPr lvl="2"/>
-            <a:r>
-              <a:rPr lang="en-US" b="1" dirty="0" smtClean="0"/>
-              <a:t>50 problems identified by MDs</a:t>
-            </a:r>
-          </a:p>
-          <a:p>
-            <a:pPr lvl="2"/>
-            <a:r>
-              <a:rPr lang="en-US" b="1" dirty="0" err="1" smtClean="0"/>
-              <a:t>Prevalance</a:t>
-            </a:r>
-            <a:r>
-              <a:rPr lang="en-US" b="1" dirty="0" smtClean="0"/>
-              <a:t> (how many MDs identified issue as problem</a:t>
-            </a:r>
-          </a:p>
-          <a:p>
-            <a:pPr lvl="2"/>
-            <a:r>
-              <a:rPr lang="en-US" b="1" dirty="0" smtClean="0"/>
-              <a:t>Clinic that had the problem</a:t>
-            </a:r>
           </a:p>
           <a:p>
             <a:pPr marL="1828800" lvl="4" indent="0">
@@ -3360,6 +3412,2739 @@
     <p:extLst>
       <p:ext uri="{BB962C8B-B14F-4D97-AF65-F5344CB8AC3E}">
         <p14:creationId xmlns:p14="http://schemas.microsoft.com/office/powerpoint/2010/main" val="1037386234"/>
+      </p:ext>
+    </p:extLst>
+  </p:cSld>
+  <p:clrMapOvr>
+    <a:masterClrMapping/>
+  </p:clrMapOvr>
+  <p:timing>
+    <p:tnLst>
+      <p:par>
+        <p:cTn id="1" dur="indefinite" restart="never" nodeType="tmRoot">
+          <p:childTnLst>
+            <p:seq concurrent="1" nextAc="seek">
+              <p:cTn id="2" dur="indefinite" nodeType="mainSeq">
+                <p:childTnLst>
+                  <p:par>
+                    <p:cTn id="3" fill="hold">
+                      <p:stCondLst>
+                        <p:cond delay="indefinite"/>
+                      </p:stCondLst>
+                      <p:childTnLst>
+                        <p:par>
+                          <p:cTn id="4" fill="hold">
+                            <p:stCondLst>
+                              <p:cond delay="0"/>
+                            </p:stCondLst>
+                            <p:childTnLst>
+                              <p:par>
+                                <p:cTn id="5" presetID="1" presetClass="entr" presetSubtype="0" fill="hold" nodeType="clickEffect">
+                                  <p:stCondLst>
+                                    <p:cond delay="0"/>
+                                  </p:stCondLst>
+                                  <p:childTnLst>
+                                    <p:set>
+                                      <p:cBhvr>
+                                        <p:cTn id="6" dur="1" fill="hold">
+                                          <p:stCondLst>
+                                            <p:cond delay="0"/>
+                                          </p:stCondLst>
+                                        </p:cTn>
+                                        <p:tgtEl>
+                                          <p:spTgt spid="3">
+                                            <p:txEl>
+                                              <p:pRg st="0" end="0"/>
+                                            </p:txEl>
+                                          </p:spTgt>
+                                        </p:tgtEl>
+                                        <p:attrNameLst>
+                                          <p:attrName>style.visibility</p:attrName>
+                                        </p:attrNameLst>
+                                      </p:cBhvr>
+                                      <p:to>
+                                        <p:strVal val="visible"/>
+                                      </p:to>
+                                    </p:set>
+                                  </p:childTnLst>
+                                </p:cTn>
+                              </p:par>
+                            </p:childTnLst>
+                          </p:cTn>
+                        </p:par>
+                      </p:childTnLst>
+                    </p:cTn>
+                  </p:par>
+                  <p:par>
+                    <p:cTn id="7" fill="hold">
+                      <p:stCondLst>
+                        <p:cond delay="indefinite"/>
+                      </p:stCondLst>
+                      <p:childTnLst>
+                        <p:par>
+                          <p:cTn id="8" fill="hold">
+                            <p:stCondLst>
+                              <p:cond delay="0"/>
+                            </p:stCondLst>
+                            <p:childTnLst>
+                              <p:par>
+                                <p:cTn id="9" presetID="1" presetClass="entr" presetSubtype="0" fill="hold" nodeType="clickEffect">
+                                  <p:stCondLst>
+                                    <p:cond delay="0"/>
+                                  </p:stCondLst>
+                                  <p:childTnLst>
+                                    <p:set>
+                                      <p:cBhvr>
+                                        <p:cTn id="10" dur="1" fill="hold">
+                                          <p:stCondLst>
+                                            <p:cond delay="0"/>
+                                          </p:stCondLst>
+                                        </p:cTn>
+                                        <p:tgtEl>
+                                          <p:spTgt spid="3">
+                                            <p:txEl>
+                                              <p:pRg st="1" end="1"/>
+                                            </p:txEl>
+                                          </p:spTgt>
+                                        </p:tgtEl>
+                                        <p:attrNameLst>
+                                          <p:attrName>style.visibility</p:attrName>
+                                        </p:attrNameLst>
+                                      </p:cBhvr>
+                                      <p:to>
+                                        <p:strVal val="visible"/>
+                                      </p:to>
+                                    </p:set>
+                                  </p:childTnLst>
+                                </p:cTn>
+                              </p:par>
+                            </p:childTnLst>
+                          </p:cTn>
+                        </p:par>
+                      </p:childTnLst>
+                    </p:cTn>
+                  </p:par>
+                  <p:par>
+                    <p:cTn id="11" fill="hold">
+                      <p:stCondLst>
+                        <p:cond delay="indefinite"/>
+                      </p:stCondLst>
+                      <p:childTnLst>
+                        <p:par>
+                          <p:cTn id="12" fill="hold">
+                            <p:stCondLst>
+                              <p:cond delay="0"/>
+                            </p:stCondLst>
+                            <p:childTnLst>
+                              <p:par>
+                                <p:cTn id="13" presetID="1" presetClass="entr" presetSubtype="0" fill="hold" nodeType="clickEffect">
+                                  <p:stCondLst>
+                                    <p:cond delay="0"/>
+                                  </p:stCondLst>
+                                  <p:childTnLst>
+                                    <p:set>
+                                      <p:cBhvr>
+                                        <p:cTn id="14" dur="1" fill="hold">
+                                          <p:stCondLst>
+                                            <p:cond delay="0"/>
+                                          </p:stCondLst>
+                                        </p:cTn>
+                                        <p:tgtEl>
+                                          <p:spTgt spid="3">
+                                            <p:txEl>
+                                              <p:pRg st="2" end="2"/>
+                                            </p:txEl>
+                                          </p:spTgt>
+                                        </p:tgtEl>
+                                        <p:attrNameLst>
+                                          <p:attrName>style.visibility</p:attrName>
+                                        </p:attrNameLst>
+                                      </p:cBhvr>
+                                      <p:to>
+                                        <p:strVal val="visible"/>
+                                      </p:to>
+                                    </p:set>
+                                  </p:childTnLst>
+                                </p:cTn>
+                              </p:par>
+                            </p:childTnLst>
+                          </p:cTn>
+                        </p:par>
+                      </p:childTnLst>
+                    </p:cTn>
+                  </p:par>
+                  <p:par>
+                    <p:cTn id="15" fill="hold">
+                      <p:stCondLst>
+                        <p:cond delay="indefinite"/>
+                      </p:stCondLst>
+                      <p:childTnLst>
+                        <p:par>
+                          <p:cTn id="16" fill="hold">
+                            <p:stCondLst>
+                              <p:cond delay="0"/>
+                            </p:stCondLst>
+                            <p:childTnLst>
+                              <p:par>
+                                <p:cTn id="17" presetID="1" presetClass="entr" presetSubtype="0" fill="hold" nodeType="clickEffect">
+                                  <p:stCondLst>
+                                    <p:cond delay="0"/>
+                                  </p:stCondLst>
+                                  <p:childTnLst>
+                                    <p:set>
+                                      <p:cBhvr>
+                                        <p:cTn id="18" dur="1" fill="hold">
+                                          <p:stCondLst>
+                                            <p:cond delay="0"/>
+                                          </p:stCondLst>
+                                        </p:cTn>
+                                        <p:tgtEl>
+                                          <p:spTgt spid="3">
+                                            <p:txEl>
+                                              <p:pRg st="3" end="3"/>
+                                            </p:txEl>
+                                          </p:spTgt>
+                                        </p:tgtEl>
+                                        <p:attrNameLst>
+                                          <p:attrName>style.visibility</p:attrName>
+                                        </p:attrNameLst>
+                                      </p:cBhvr>
+                                      <p:to>
+                                        <p:strVal val="visible"/>
+                                      </p:to>
+                                    </p:set>
+                                  </p:childTnLst>
+                                </p:cTn>
+                              </p:par>
+                            </p:childTnLst>
+                          </p:cTn>
+                        </p:par>
+                      </p:childTnLst>
+                    </p:cTn>
+                  </p:par>
+                  <p:par>
+                    <p:cTn id="19" fill="hold">
+                      <p:stCondLst>
+                        <p:cond delay="indefinite"/>
+                      </p:stCondLst>
+                      <p:childTnLst>
+                        <p:par>
+                          <p:cTn id="20" fill="hold">
+                            <p:stCondLst>
+                              <p:cond delay="0"/>
+                            </p:stCondLst>
+                            <p:childTnLst>
+                              <p:par>
+                                <p:cTn id="21" presetID="1" presetClass="entr" presetSubtype="0" fill="hold" nodeType="clickEffect">
+                                  <p:stCondLst>
+                                    <p:cond delay="0"/>
+                                  </p:stCondLst>
+                                  <p:childTnLst>
+                                    <p:set>
+                                      <p:cBhvr>
+                                        <p:cTn id="22" dur="1" fill="hold">
+                                          <p:stCondLst>
+                                            <p:cond delay="0"/>
+                                          </p:stCondLst>
+                                        </p:cTn>
+                                        <p:tgtEl>
+                                          <p:spTgt spid="3">
+                                            <p:txEl>
+                                              <p:pRg st="4" end="4"/>
+                                            </p:txEl>
+                                          </p:spTgt>
+                                        </p:tgtEl>
+                                        <p:attrNameLst>
+                                          <p:attrName>style.visibility</p:attrName>
+                                        </p:attrNameLst>
+                                      </p:cBhvr>
+                                      <p:to>
+                                        <p:strVal val="visible"/>
+                                      </p:to>
+                                    </p:set>
+                                  </p:childTnLst>
+                                </p:cTn>
+                              </p:par>
+                            </p:childTnLst>
+                          </p:cTn>
+                        </p:par>
+                      </p:childTnLst>
+                    </p:cTn>
+                  </p:par>
+                  <p:par>
+                    <p:cTn id="23" fill="hold">
+                      <p:stCondLst>
+                        <p:cond delay="indefinite"/>
+                      </p:stCondLst>
+                      <p:childTnLst>
+                        <p:par>
+                          <p:cTn id="24" fill="hold">
+                            <p:stCondLst>
+                              <p:cond delay="0"/>
+                            </p:stCondLst>
+                            <p:childTnLst>
+                              <p:par>
+                                <p:cTn id="25" presetID="1" presetClass="entr" presetSubtype="0" fill="hold" nodeType="clickEffect">
+                                  <p:stCondLst>
+                                    <p:cond delay="0"/>
+                                  </p:stCondLst>
+                                  <p:childTnLst>
+                                    <p:set>
+                                      <p:cBhvr>
+                                        <p:cTn id="26" dur="1" fill="hold">
+                                          <p:stCondLst>
+                                            <p:cond delay="0"/>
+                                          </p:stCondLst>
+                                        </p:cTn>
+                                        <p:tgtEl>
+                                          <p:spTgt spid="3">
+                                            <p:txEl>
+                                              <p:pRg st="5" end="5"/>
+                                            </p:txEl>
+                                          </p:spTgt>
+                                        </p:tgtEl>
+                                        <p:attrNameLst>
+                                          <p:attrName>style.visibility</p:attrName>
+                                        </p:attrNameLst>
+                                      </p:cBhvr>
+                                      <p:to>
+                                        <p:strVal val="visible"/>
+                                      </p:to>
+                                    </p:set>
+                                  </p:childTnLst>
+                                </p:cTn>
+                              </p:par>
+                            </p:childTnLst>
+                          </p:cTn>
+                        </p:par>
+                      </p:childTnLst>
+                    </p:cTn>
+                  </p:par>
+                  <p:par>
+                    <p:cTn id="27" fill="hold">
+                      <p:stCondLst>
+                        <p:cond delay="indefinite"/>
+                      </p:stCondLst>
+                      <p:childTnLst>
+                        <p:par>
+                          <p:cTn id="28" fill="hold">
+                            <p:stCondLst>
+                              <p:cond delay="0"/>
+                            </p:stCondLst>
+                            <p:childTnLst>
+                              <p:par>
+                                <p:cTn id="29" presetID="1" presetClass="entr" presetSubtype="0" fill="hold" nodeType="clickEffect">
+                                  <p:stCondLst>
+                                    <p:cond delay="0"/>
+                                  </p:stCondLst>
+                                  <p:childTnLst>
+                                    <p:set>
+                                      <p:cBhvr>
+                                        <p:cTn id="30" dur="1" fill="hold">
+                                          <p:stCondLst>
+                                            <p:cond delay="0"/>
+                                          </p:stCondLst>
+                                        </p:cTn>
+                                        <p:tgtEl>
+                                          <p:spTgt spid="3">
+                                            <p:txEl>
+                                              <p:pRg st="6" end="6"/>
+                                            </p:txEl>
+                                          </p:spTgt>
+                                        </p:tgtEl>
+                                        <p:attrNameLst>
+                                          <p:attrName>style.visibility</p:attrName>
+                                        </p:attrNameLst>
+                                      </p:cBhvr>
+                                      <p:to>
+                                        <p:strVal val="visible"/>
+                                      </p:to>
+                                    </p:set>
+                                  </p:childTnLst>
+                                </p:cTn>
+                              </p:par>
+                            </p:childTnLst>
+                          </p:cTn>
+                        </p:par>
+                      </p:childTnLst>
+                    </p:cTn>
+                  </p:par>
+                  <p:par>
+                    <p:cTn id="31" fill="hold">
+                      <p:stCondLst>
+                        <p:cond delay="indefinite"/>
+                      </p:stCondLst>
+                      <p:childTnLst>
+                        <p:par>
+                          <p:cTn id="32" fill="hold">
+                            <p:stCondLst>
+                              <p:cond delay="0"/>
+                            </p:stCondLst>
+                            <p:childTnLst>
+                              <p:par>
+                                <p:cTn id="33" presetID="1" presetClass="entr" presetSubtype="0" fill="hold" nodeType="clickEffect">
+                                  <p:stCondLst>
+                                    <p:cond delay="0"/>
+                                  </p:stCondLst>
+                                  <p:childTnLst>
+                                    <p:set>
+                                      <p:cBhvr>
+                                        <p:cTn id="34" dur="1" fill="hold">
+                                          <p:stCondLst>
+                                            <p:cond delay="0"/>
+                                          </p:stCondLst>
+                                        </p:cTn>
+                                        <p:tgtEl>
+                                          <p:spTgt spid="3">
+                                            <p:txEl>
+                                              <p:pRg st="7" end="7"/>
+                                            </p:txEl>
+                                          </p:spTgt>
+                                        </p:tgtEl>
+                                        <p:attrNameLst>
+                                          <p:attrName>style.visibility</p:attrName>
+                                        </p:attrNameLst>
+                                      </p:cBhvr>
+                                      <p:to>
+                                        <p:strVal val="visible"/>
+                                      </p:to>
+                                    </p:set>
+                                  </p:childTnLst>
+                                </p:cTn>
+                              </p:par>
+                            </p:childTnLst>
+                          </p:cTn>
+                        </p:par>
+                      </p:childTnLst>
+                    </p:cTn>
+                  </p:par>
+                  <p:par>
+                    <p:cTn id="35" fill="hold">
+                      <p:stCondLst>
+                        <p:cond delay="indefinite"/>
+                      </p:stCondLst>
+                      <p:childTnLst>
+                        <p:par>
+                          <p:cTn id="36" fill="hold">
+                            <p:stCondLst>
+                              <p:cond delay="0"/>
+                            </p:stCondLst>
+                            <p:childTnLst>
+                              <p:par>
+                                <p:cTn id="37" presetID="1" presetClass="entr" presetSubtype="0" fill="hold" nodeType="clickEffect">
+                                  <p:stCondLst>
+                                    <p:cond delay="0"/>
+                                  </p:stCondLst>
+                                  <p:childTnLst>
+                                    <p:set>
+                                      <p:cBhvr>
+                                        <p:cTn id="38" dur="1" fill="hold">
+                                          <p:stCondLst>
+                                            <p:cond delay="0"/>
+                                          </p:stCondLst>
+                                        </p:cTn>
+                                        <p:tgtEl>
+                                          <p:spTgt spid="3">
+                                            <p:txEl>
+                                              <p:pRg st="8" end="8"/>
+                                            </p:txEl>
+                                          </p:spTgt>
+                                        </p:tgtEl>
+                                        <p:attrNameLst>
+                                          <p:attrName>style.visibility</p:attrName>
+                                        </p:attrNameLst>
+                                      </p:cBhvr>
+                                      <p:to>
+                                        <p:strVal val="visible"/>
+                                      </p:to>
+                                    </p:set>
+                                  </p:childTnLst>
+                                </p:cTn>
+                              </p:par>
+                            </p:childTnLst>
+                          </p:cTn>
+                        </p:par>
+                      </p:childTnLst>
+                    </p:cTn>
+                  </p:par>
+                  <p:par>
+                    <p:cTn id="39" fill="hold">
+                      <p:stCondLst>
+                        <p:cond delay="indefinite"/>
+                      </p:stCondLst>
+                      <p:childTnLst>
+                        <p:par>
+                          <p:cTn id="40" fill="hold">
+                            <p:stCondLst>
+                              <p:cond delay="0"/>
+                            </p:stCondLst>
+                            <p:childTnLst>
+                              <p:par>
+                                <p:cTn id="41" presetID="1" presetClass="entr" presetSubtype="0" fill="hold" nodeType="clickEffect">
+                                  <p:stCondLst>
+                                    <p:cond delay="0"/>
+                                  </p:stCondLst>
+                                  <p:childTnLst>
+                                    <p:set>
+                                      <p:cBhvr>
+                                        <p:cTn id="42" dur="1" fill="hold">
+                                          <p:stCondLst>
+                                            <p:cond delay="0"/>
+                                          </p:stCondLst>
+                                        </p:cTn>
+                                        <p:tgtEl>
+                                          <p:spTgt spid="3">
+                                            <p:txEl>
+                                              <p:pRg st="9" end="9"/>
+                                            </p:txEl>
+                                          </p:spTgt>
+                                        </p:tgtEl>
+                                        <p:attrNameLst>
+                                          <p:attrName>style.visibility</p:attrName>
+                                        </p:attrNameLst>
+                                      </p:cBhvr>
+                                      <p:to>
+                                        <p:strVal val="visible"/>
+                                      </p:to>
+                                    </p:set>
+                                  </p:childTnLst>
+                                </p:cTn>
+                              </p:par>
+                            </p:childTnLst>
+                          </p:cTn>
+                        </p:par>
+                      </p:childTnLst>
+                    </p:cTn>
+                  </p:par>
+                </p:childTnLst>
+              </p:cTn>
+              <p:prevCondLst>
+                <p:cond evt="onPrev" delay="0">
+                  <p:tgtEl>
+                    <p:sldTgt/>
+                  </p:tgtEl>
+                </p:cond>
+              </p:prevCondLst>
+              <p:nextCondLst>
+                <p:cond evt="onNext" delay="0">
+                  <p:tgtEl>
+                    <p:sldTgt/>
+                  </p:tgtEl>
+                </p:cond>
+              </p:nextCondLst>
+            </p:seq>
+          </p:childTnLst>
+        </p:cTn>
+      </p:par>
+    </p:tnLst>
+  </p:timing>
+</p:sld>
+</file>
+
+<file path=ppt/slides/slide2.xml><?xml version="1.0" encoding="utf-8"?>
+<p:sld xmlns:a="http://schemas.openxmlformats.org/drawingml/2006/main" xmlns:r="http://schemas.openxmlformats.org/officeDocument/2006/relationships" xmlns:p="http://schemas.openxmlformats.org/presentationml/2006/main">
+  <p:cSld>
+    <p:spTree>
+      <p:nvGrpSpPr>
+        <p:cNvPr id="1" name=""/>
+        <p:cNvGrpSpPr/>
+        <p:nvPr/>
+      </p:nvGrpSpPr>
+      <p:grpSpPr>
+        <a:xfrm>
+          <a:off x="0" y="0"/>
+          <a:ext cx="0" cy="0"/>
+          <a:chOff x="0" y="0"/>
+          <a:chExt cx="0" cy="0"/>
+        </a:xfrm>
+      </p:grpSpPr>
+      <p:pic>
+        <p:nvPicPr>
+          <p:cNvPr id="1026" name="Picture 2"/>
+          <p:cNvPicPr>
+            <a:picLocks noChangeAspect="1" noChangeArrowheads="1"/>
+          </p:cNvPicPr>
+          <p:nvPr/>
+        </p:nvPicPr>
+        <p:blipFill>
+          <a:blip r:embed="rId2">
+            <a:extLst>
+              <a:ext uri="{28A0092B-C50C-407E-A947-70E740481C1C}">
+                <a14:useLocalDpi xmlns:a14="http://schemas.microsoft.com/office/drawing/2010/main" val="0"/>
+              </a:ext>
+            </a:extLst>
+          </a:blip>
+          <a:srcRect/>
+          <a:stretch>
+            <a:fillRect/>
+          </a:stretch>
+        </p:blipFill>
+        <p:spPr bwMode="auto">
+          <a:xfrm>
+            <a:off x="76200" y="76200"/>
+            <a:ext cx="5696029" cy="6553200"/>
+          </a:xfrm>
+          <a:prstGeom prst="rect">
+            <a:avLst/>
+          </a:prstGeom>
+          <a:noFill/>
+          <a:ln>
+            <a:noFill/>
+          </a:ln>
+          <a:effectLst/>
+          <a:extLst>
+            <a:ext uri="{909E8E84-426E-40DD-AFC4-6F175D3DCCD1}">
+              <a14:hiddenFill xmlns:a14="http://schemas.microsoft.com/office/drawing/2010/main">
+                <a:solidFill>
+                  <a:schemeClr val="accent1"/>
+                </a:solidFill>
+              </a14:hiddenFill>
+            </a:ext>
+            <a:ext uri="{91240B29-F687-4F45-9708-019B960494DF}">
+              <a14:hiddenLine xmlns:a14="http://schemas.microsoft.com/office/drawing/2010/main" w="9525">
+                <a:solidFill>
+                  <a:schemeClr val="tx1"/>
+                </a:solidFill>
+                <a:miter lim="800000"/>
+                <a:headEnd/>
+                <a:tailEnd/>
+              </a14:hiddenLine>
+            </a:ext>
+            <a:ext uri="{AF507438-7753-43E0-B8FC-AC1667EBCBE1}">
+              <a14:hiddenEffects xmlns:a14="http://schemas.microsoft.com/office/drawing/2010/main">
+                <a:effectLst>
+                  <a:outerShdw dist="35921" dir="2700000" algn="ctr" rotWithShape="0">
+                    <a:schemeClr val="bg2"/>
+                  </a:outerShdw>
+                </a:effectLst>
+              </a14:hiddenEffects>
+            </a:ext>
+          </a:extLst>
+        </p:spPr>
+      </p:pic>
+      <p:sp>
+        <p:nvSpPr>
+          <p:cNvPr id="2" name="TextBox 1"/>
+          <p:cNvSpPr txBox="1"/>
+          <p:nvPr/>
+        </p:nvSpPr>
+        <p:spPr>
+          <a:xfrm>
+            <a:off x="5772228" y="457200"/>
+            <a:ext cx="3219371" cy="954107"/>
+          </a:xfrm>
+          <a:prstGeom prst="rect">
+            <a:avLst/>
+          </a:prstGeom>
+          <a:noFill/>
+        </p:spPr>
+        <p:txBody>
+          <a:bodyPr wrap="square" rtlCol="0">
+            <a:spAutoFit/>
+          </a:bodyPr>
+          <a:lstStyle/>
+          <a:p>
+            <a:pPr marL="285750" indent="-285750">
+              <a:buFont typeface="Arial" panose="020B0604020202020204" pitchFamily="34" charset="0"/>
+              <a:buChar char="•"/>
+            </a:pPr>
+            <a:r>
+              <a:rPr lang="en-US" sz="1400" b="1" dirty="0">
+                <a:solidFill>
+                  <a:schemeClr val="bg1"/>
+                </a:solidFill>
+              </a:rPr>
+              <a:t>Minnie created word </a:t>
+            </a:r>
+            <a:r>
+              <a:rPr lang="en-US" sz="1400" b="1" dirty="0" smtClean="0">
+                <a:solidFill>
+                  <a:schemeClr val="bg1"/>
+                </a:solidFill>
+              </a:rPr>
+              <a:t>document</a:t>
+            </a:r>
+          </a:p>
+          <a:p>
+            <a:pPr marL="742950" lvl="1" indent="-285750">
+              <a:buFont typeface="Arial" panose="020B0604020202020204" pitchFamily="34" charset="0"/>
+              <a:buChar char="•"/>
+            </a:pPr>
+            <a:r>
+              <a:rPr lang="en-US" sz="1400" b="1" dirty="0" smtClean="0">
+                <a:solidFill>
+                  <a:schemeClr val="bg1"/>
+                </a:solidFill>
+              </a:rPr>
+              <a:t>Ask MDs to corroborate/ identify new problems</a:t>
+            </a:r>
+            <a:endParaRPr lang="en-US" sz="1400" b="1" dirty="0">
+              <a:solidFill>
+                <a:schemeClr val="bg1"/>
+              </a:solidFill>
+            </a:endParaRPr>
+          </a:p>
+          <a:p>
+            <a:pPr marL="285750" indent="-285750">
+              <a:buFont typeface="Arial" panose="020B0604020202020204" pitchFamily="34" charset="0"/>
+              <a:buChar char="•"/>
+            </a:pPr>
+            <a:r>
+              <a:rPr lang="en-US" sz="1400" b="1" dirty="0">
+                <a:solidFill>
+                  <a:schemeClr val="bg1"/>
+                </a:solidFill>
+              </a:rPr>
+              <a:t>Filled out by 10 </a:t>
+            </a:r>
+            <a:r>
+              <a:rPr lang="en-US" sz="1400" b="1" dirty="0" smtClean="0">
+                <a:solidFill>
+                  <a:schemeClr val="bg1"/>
+                </a:solidFill>
+              </a:rPr>
+              <a:t>MDs</a:t>
+            </a:r>
+            <a:endParaRPr lang="en-US" sz="1400" b="1" dirty="0">
+              <a:solidFill>
+                <a:schemeClr val="bg1"/>
+              </a:solidFill>
+            </a:endParaRPr>
+          </a:p>
+        </p:txBody>
+      </p:sp>
+    </p:spTree>
+    <p:extLst>
+      <p:ext uri="{BB962C8B-B14F-4D97-AF65-F5344CB8AC3E}">
+        <p14:creationId xmlns:p14="http://schemas.microsoft.com/office/powerpoint/2010/main" val="2764959206"/>
+      </p:ext>
+    </p:extLst>
+  </p:cSld>
+  <p:clrMapOvr>
+    <a:masterClrMapping/>
+  </p:clrMapOvr>
+  <p:timing>
+    <p:tnLst>
+      <p:par>
+        <p:cTn id="1" dur="indefinite" restart="never" nodeType="tmRoot">
+          <p:childTnLst>
+            <p:seq concurrent="1" nextAc="seek">
+              <p:cTn id="2" dur="indefinite" nodeType="mainSeq">
+                <p:childTnLst>
+                  <p:par>
+                    <p:cTn id="3" fill="hold">
+                      <p:stCondLst>
+                        <p:cond delay="indefinite"/>
+                      </p:stCondLst>
+                      <p:childTnLst>
+                        <p:par>
+                          <p:cTn id="4" fill="hold">
+                            <p:stCondLst>
+                              <p:cond delay="0"/>
+                            </p:stCondLst>
+                            <p:childTnLst>
+                              <p:par>
+                                <p:cTn id="5" presetID="1" presetClass="entr" presetSubtype="0" fill="hold" nodeType="clickEffect">
+                                  <p:stCondLst>
+                                    <p:cond delay="0"/>
+                                  </p:stCondLst>
+                                  <p:childTnLst>
+                                    <p:set>
+                                      <p:cBhvr>
+                                        <p:cTn id="6" dur="1" fill="hold">
+                                          <p:stCondLst>
+                                            <p:cond delay="0"/>
+                                          </p:stCondLst>
+                                        </p:cTn>
+                                        <p:tgtEl>
+                                          <p:spTgt spid="2">
+                                            <p:txEl>
+                                              <p:pRg st="1" end="1"/>
+                                            </p:txEl>
+                                          </p:spTgt>
+                                        </p:tgtEl>
+                                        <p:attrNameLst>
+                                          <p:attrName>style.visibility</p:attrName>
+                                        </p:attrNameLst>
+                                      </p:cBhvr>
+                                      <p:to>
+                                        <p:strVal val="visible"/>
+                                      </p:to>
+                                    </p:set>
+                                  </p:childTnLst>
+                                </p:cTn>
+                              </p:par>
+                            </p:childTnLst>
+                          </p:cTn>
+                        </p:par>
+                      </p:childTnLst>
+                    </p:cTn>
+                  </p:par>
+                  <p:par>
+                    <p:cTn id="7" fill="hold">
+                      <p:stCondLst>
+                        <p:cond delay="indefinite"/>
+                      </p:stCondLst>
+                      <p:childTnLst>
+                        <p:par>
+                          <p:cTn id="8" fill="hold">
+                            <p:stCondLst>
+                              <p:cond delay="0"/>
+                            </p:stCondLst>
+                            <p:childTnLst>
+                              <p:par>
+                                <p:cTn id="9" presetID="1" presetClass="entr" presetSubtype="0" fill="hold" nodeType="clickEffect">
+                                  <p:stCondLst>
+                                    <p:cond delay="0"/>
+                                  </p:stCondLst>
+                                  <p:childTnLst>
+                                    <p:set>
+                                      <p:cBhvr>
+                                        <p:cTn id="10" dur="1" fill="hold">
+                                          <p:stCondLst>
+                                            <p:cond delay="0"/>
+                                          </p:stCondLst>
+                                        </p:cTn>
+                                        <p:tgtEl>
+                                          <p:spTgt spid="2">
+                                            <p:txEl>
+                                              <p:pRg st="2" end="2"/>
+                                            </p:txEl>
+                                          </p:spTgt>
+                                        </p:tgtEl>
+                                        <p:attrNameLst>
+                                          <p:attrName>style.visibility</p:attrName>
+                                        </p:attrNameLst>
+                                      </p:cBhvr>
+                                      <p:to>
+                                        <p:strVal val="visible"/>
+                                      </p:to>
+                                    </p:set>
+                                  </p:childTnLst>
+                                </p:cTn>
+                              </p:par>
+                            </p:childTnLst>
+                          </p:cTn>
+                        </p:par>
+                      </p:childTnLst>
+                    </p:cTn>
+                  </p:par>
+                </p:childTnLst>
+              </p:cTn>
+              <p:prevCondLst>
+                <p:cond evt="onPrev" delay="0">
+                  <p:tgtEl>
+                    <p:sldTgt/>
+                  </p:tgtEl>
+                </p:cond>
+              </p:prevCondLst>
+              <p:nextCondLst>
+                <p:cond evt="onNext" delay="0">
+                  <p:tgtEl>
+                    <p:sldTgt/>
+                  </p:tgtEl>
+                </p:cond>
+              </p:nextCondLst>
+            </p:seq>
+          </p:childTnLst>
+        </p:cTn>
+      </p:par>
+    </p:tnLst>
+  </p:timing>
+</p:sld>
+</file>
+
+<file path=ppt/slides/slide3.xml><?xml version="1.0" encoding="utf-8"?>
+<p:sld xmlns:a="http://schemas.openxmlformats.org/drawingml/2006/main" xmlns:r="http://schemas.openxmlformats.org/officeDocument/2006/relationships" xmlns:p="http://schemas.openxmlformats.org/presentationml/2006/main">
+  <p:cSld>
+    <p:spTree>
+      <p:nvGrpSpPr>
+        <p:cNvPr id="1" name=""/>
+        <p:cNvGrpSpPr/>
+        <p:nvPr/>
+      </p:nvGrpSpPr>
+      <p:grpSpPr>
+        <a:xfrm>
+          <a:off x="0" y="0"/>
+          <a:ext cx="0" cy="0"/>
+          <a:chOff x="0" y="0"/>
+          <a:chExt cx="0" cy="0"/>
+        </a:xfrm>
+      </p:grpSpPr>
+      <p:pic>
+        <p:nvPicPr>
+          <p:cNvPr id="2050" name="Picture 2"/>
+          <p:cNvPicPr>
+            <a:picLocks noChangeAspect="1" noChangeArrowheads="1"/>
+          </p:cNvPicPr>
+          <p:nvPr/>
+        </p:nvPicPr>
+        <p:blipFill>
+          <a:blip r:embed="rId2">
+            <a:extLst>
+              <a:ext uri="{28A0092B-C50C-407E-A947-70E740481C1C}">
+                <a14:useLocalDpi xmlns:a14="http://schemas.microsoft.com/office/drawing/2010/main" val="0"/>
+              </a:ext>
+            </a:extLst>
+          </a:blip>
+          <a:srcRect/>
+          <a:stretch>
+            <a:fillRect/>
+          </a:stretch>
+        </p:blipFill>
+        <p:spPr bwMode="auto">
+          <a:xfrm>
+            <a:off x="152399" y="152400"/>
+            <a:ext cx="5913863" cy="6553200"/>
+          </a:xfrm>
+          <a:prstGeom prst="rect">
+            <a:avLst/>
+          </a:prstGeom>
+          <a:noFill/>
+          <a:ln>
+            <a:noFill/>
+          </a:ln>
+          <a:effectLst/>
+          <a:extLst>
+            <a:ext uri="{909E8E84-426E-40DD-AFC4-6F175D3DCCD1}">
+              <a14:hiddenFill xmlns:a14="http://schemas.microsoft.com/office/drawing/2010/main">
+                <a:solidFill>
+                  <a:schemeClr val="accent1"/>
+                </a:solidFill>
+              </a14:hiddenFill>
+            </a:ext>
+            <a:ext uri="{91240B29-F687-4F45-9708-019B960494DF}">
+              <a14:hiddenLine xmlns:a14="http://schemas.microsoft.com/office/drawing/2010/main" w="9525">
+                <a:solidFill>
+                  <a:schemeClr val="tx1"/>
+                </a:solidFill>
+                <a:miter lim="800000"/>
+                <a:headEnd/>
+                <a:tailEnd/>
+              </a14:hiddenLine>
+            </a:ext>
+            <a:ext uri="{AF507438-7753-43E0-B8FC-AC1667EBCBE1}">
+              <a14:hiddenEffects xmlns:a14="http://schemas.microsoft.com/office/drawing/2010/main">
+                <a:effectLst>
+                  <a:outerShdw dist="35921" dir="2700000" algn="ctr" rotWithShape="0">
+                    <a:schemeClr val="bg2"/>
+                  </a:outerShdw>
+                </a:effectLst>
+              </a14:hiddenEffects>
+            </a:ext>
+          </a:extLst>
+        </p:spPr>
+      </p:pic>
+      <p:sp>
+        <p:nvSpPr>
+          <p:cNvPr id="3" name="TextBox 2"/>
+          <p:cNvSpPr txBox="1"/>
+          <p:nvPr/>
+        </p:nvSpPr>
+        <p:spPr>
+          <a:xfrm>
+            <a:off x="5772228" y="457200"/>
+            <a:ext cx="3219371" cy="1169551"/>
+          </a:xfrm>
+          <a:prstGeom prst="rect">
+            <a:avLst/>
+          </a:prstGeom>
+          <a:noFill/>
+        </p:spPr>
+        <p:txBody>
+          <a:bodyPr wrap="square" rtlCol="0">
+            <a:spAutoFit/>
+          </a:bodyPr>
+          <a:lstStyle/>
+          <a:p>
+            <a:pPr marL="285750" indent="-285750">
+              <a:buFont typeface="Arial" panose="020B0604020202020204" pitchFamily="34" charset="0"/>
+              <a:buChar char="•"/>
+            </a:pPr>
+            <a:r>
+              <a:rPr lang="en-US" sz="1400" b="1" dirty="0">
+                <a:solidFill>
+                  <a:schemeClr val="bg1"/>
+                </a:solidFill>
+              </a:rPr>
+              <a:t>Minnie </a:t>
+            </a:r>
+            <a:r>
+              <a:rPr lang="en-US" sz="1400" b="1" dirty="0" smtClean="0">
+                <a:solidFill>
+                  <a:schemeClr val="bg1"/>
+                </a:solidFill>
+              </a:rPr>
+              <a:t> collated Forms from 10 MDs</a:t>
+            </a:r>
+            <a:endParaRPr lang="en-US" sz="1400" b="1" dirty="0">
+              <a:solidFill>
+                <a:schemeClr val="bg1"/>
+              </a:solidFill>
+            </a:endParaRPr>
+          </a:p>
+          <a:p>
+            <a:pPr marL="742950" lvl="1" indent="-285750">
+              <a:buFont typeface="Arial" panose="020B0604020202020204" pitchFamily="34" charset="0"/>
+              <a:buChar char="•"/>
+            </a:pPr>
+            <a:r>
+              <a:rPr lang="en-US" sz="1400" b="1" dirty="0" smtClean="0">
+                <a:solidFill>
+                  <a:schemeClr val="bg1"/>
+                </a:solidFill>
+              </a:rPr>
+              <a:t>50 </a:t>
+            </a:r>
+            <a:r>
+              <a:rPr lang="en-US" sz="1400" b="1" dirty="0">
+                <a:solidFill>
+                  <a:schemeClr val="bg1"/>
+                </a:solidFill>
+              </a:rPr>
+              <a:t>problems identified by MDs</a:t>
+            </a:r>
+          </a:p>
+          <a:p>
+            <a:pPr marL="742950" lvl="1" indent="-285750">
+              <a:buFont typeface="Arial" panose="020B0604020202020204" pitchFamily="34" charset="0"/>
+              <a:buChar char="•"/>
+            </a:pPr>
+            <a:r>
+              <a:rPr lang="en-US" sz="1400" b="1" dirty="0" smtClean="0">
+                <a:solidFill>
+                  <a:schemeClr val="bg1"/>
+                </a:solidFill>
+              </a:rPr>
+              <a:t>Prevalence of problem</a:t>
+            </a:r>
+          </a:p>
+          <a:p>
+            <a:pPr marL="1200150" lvl="2" indent="-285750">
+              <a:buFont typeface="Arial" panose="020B0604020202020204" pitchFamily="34" charset="0"/>
+              <a:buChar char="•"/>
+            </a:pPr>
+            <a:r>
+              <a:rPr lang="en-US" sz="1400" b="1" dirty="0">
+                <a:solidFill>
+                  <a:schemeClr val="bg1"/>
+                </a:solidFill>
+              </a:rPr>
+              <a:t>H</a:t>
+            </a:r>
+            <a:r>
+              <a:rPr lang="en-US" sz="1400" b="1" dirty="0" smtClean="0">
+                <a:solidFill>
+                  <a:schemeClr val="bg1"/>
+                </a:solidFill>
+              </a:rPr>
+              <a:t>ow </a:t>
+            </a:r>
+            <a:r>
+              <a:rPr lang="en-US" sz="1400" b="1" dirty="0">
+                <a:solidFill>
+                  <a:schemeClr val="bg1"/>
+                </a:solidFill>
+              </a:rPr>
+              <a:t>many </a:t>
+            </a:r>
+            <a:r>
+              <a:rPr lang="en-US" sz="1400" b="1" dirty="0" smtClean="0">
+                <a:solidFill>
+                  <a:schemeClr val="bg1"/>
+                </a:solidFill>
+              </a:rPr>
+              <a:t>MDs/</a:t>
+            </a:r>
+            <a:r>
+              <a:rPr lang="en-US" sz="1400" b="1" dirty="0" err="1" smtClean="0">
+                <a:solidFill>
+                  <a:schemeClr val="bg1"/>
+                </a:solidFill>
+              </a:rPr>
+              <a:t>prob</a:t>
+            </a:r>
+            <a:endParaRPr lang="en-US" sz="1400" b="1" dirty="0" smtClean="0">
+              <a:solidFill>
+                <a:schemeClr val="bg1"/>
+              </a:solidFill>
+            </a:endParaRPr>
+          </a:p>
+          <a:p>
+            <a:pPr marL="1200150" lvl="2" indent="-285750">
+              <a:buFont typeface="Arial" panose="020B0604020202020204" pitchFamily="34" charset="0"/>
+              <a:buChar char="•"/>
+            </a:pPr>
+            <a:r>
+              <a:rPr lang="en-US" sz="1400" b="1" dirty="0" smtClean="0">
+                <a:solidFill>
+                  <a:schemeClr val="bg1"/>
+                </a:solidFill>
+              </a:rPr>
+              <a:t>Which Clinics/</a:t>
+            </a:r>
+            <a:r>
+              <a:rPr lang="en-US" sz="1400" b="1" dirty="0" err="1" smtClean="0">
+                <a:solidFill>
+                  <a:schemeClr val="bg1"/>
+                </a:solidFill>
+              </a:rPr>
+              <a:t>prob</a:t>
+            </a:r>
+            <a:endParaRPr lang="en-US" sz="1400" b="1" dirty="0" smtClean="0">
+              <a:solidFill>
+                <a:schemeClr val="bg1"/>
+              </a:solidFill>
+            </a:endParaRPr>
+          </a:p>
+        </p:txBody>
+      </p:sp>
+      <p:sp>
+        <p:nvSpPr>
+          <p:cNvPr id="4" name="TextBox 3"/>
+          <p:cNvSpPr txBox="1"/>
+          <p:nvPr/>
+        </p:nvSpPr>
+        <p:spPr>
+          <a:xfrm>
+            <a:off x="5980709" y="2057400"/>
+            <a:ext cx="3219371" cy="1384995"/>
+          </a:xfrm>
+          <a:prstGeom prst="rect">
+            <a:avLst/>
+          </a:prstGeom>
+          <a:noFill/>
+        </p:spPr>
+        <p:txBody>
+          <a:bodyPr wrap="square" rtlCol="0">
+            <a:spAutoFit/>
+          </a:bodyPr>
+          <a:lstStyle/>
+          <a:p>
+            <a:pPr marL="285750" indent="-285750">
+              <a:buFont typeface="Arial" panose="020B0604020202020204" pitchFamily="34" charset="0"/>
+              <a:buChar char="•"/>
+            </a:pPr>
+            <a:r>
+              <a:rPr lang="en-US" sz="1400" b="1" dirty="0" smtClean="0">
+                <a:solidFill>
+                  <a:schemeClr val="bg1"/>
+                </a:solidFill>
+              </a:rPr>
+              <a:t>I went over collated data with Minnie</a:t>
+            </a:r>
+          </a:p>
+          <a:p>
+            <a:pPr marL="742950" lvl="1" indent="-285750">
+              <a:buFont typeface="Arial" panose="020B0604020202020204" pitchFamily="34" charset="0"/>
+              <a:buChar char="•"/>
+            </a:pPr>
+            <a:r>
+              <a:rPr lang="en-US" sz="1400" b="1" dirty="0" smtClean="0">
+                <a:solidFill>
+                  <a:schemeClr val="bg1"/>
+                </a:solidFill>
+              </a:rPr>
+              <a:t>Good idea of problems as perceived by MDs</a:t>
+            </a:r>
+          </a:p>
+          <a:p>
+            <a:pPr marL="742950" lvl="1" indent="-285750">
+              <a:buFont typeface="Arial" panose="020B0604020202020204" pitchFamily="34" charset="0"/>
+              <a:buChar char="•"/>
+            </a:pPr>
+            <a:r>
+              <a:rPr lang="en-US" sz="1400" b="1" dirty="0" smtClean="0">
+                <a:solidFill>
+                  <a:schemeClr val="bg1"/>
+                </a:solidFill>
+              </a:rPr>
+              <a:t>Formed backbone of the</a:t>
+            </a:r>
+            <a:br>
+              <a:rPr lang="en-US" sz="1400" b="1" dirty="0" smtClean="0">
+                <a:solidFill>
+                  <a:schemeClr val="bg1"/>
+                </a:solidFill>
+              </a:rPr>
+            </a:br>
+            <a:r>
+              <a:rPr lang="en-US" sz="1400" b="1" dirty="0" smtClean="0">
+                <a:solidFill>
+                  <a:schemeClr val="bg1"/>
+                </a:solidFill>
+              </a:rPr>
+              <a:t>“Clinic Questionnaire”</a:t>
+            </a:r>
+          </a:p>
+        </p:txBody>
+      </p:sp>
+    </p:spTree>
+    <p:extLst>
+      <p:ext uri="{BB962C8B-B14F-4D97-AF65-F5344CB8AC3E}">
+        <p14:creationId xmlns:p14="http://schemas.microsoft.com/office/powerpoint/2010/main" val="549028571"/>
+      </p:ext>
+    </p:extLst>
+  </p:cSld>
+  <p:clrMapOvr>
+    <a:masterClrMapping/>
+  </p:clrMapOvr>
+  <p:timing>
+    <p:tnLst>
+      <p:par>
+        <p:cTn id="1" dur="indefinite" restart="never" nodeType="tmRoot">
+          <p:childTnLst>
+            <p:seq concurrent="1" nextAc="seek">
+              <p:cTn id="2" dur="indefinite" nodeType="mainSeq">
+                <p:childTnLst>
+                  <p:par>
+                    <p:cTn id="3" fill="hold">
+                      <p:stCondLst>
+                        <p:cond delay="indefinite"/>
+                      </p:stCondLst>
+                      <p:childTnLst>
+                        <p:par>
+                          <p:cTn id="4" fill="hold">
+                            <p:stCondLst>
+                              <p:cond delay="0"/>
+                            </p:stCondLst>
+                            <p:childTnLst>
+                              <p:par>
+                                <p:cTn id="5" presetID="1" presetClass="entr" presetSubtype="0" fill="hold" nodeType="clickEffect">
+                                  <p:stCondLst>
+                                    <p:cond delay="0"/>
+                                  </p:stCondLst>
+                                  <p:childTnLst>
+                                    <p:set>
+                                      <p:cBhvr>
+                                        <p:cTn id="6" dur="1" fill="hold">
+                                          <p:stCondLst>
+                                            <p:cond delay="0"/>
+                                          </p:stCondLst>
+                                        </p:cTn>
+                                        <p:tgtEl>
+                                          <p:spTgt spid="3">
+                                            <p:txEl>
+                                              <p:pRg st="1" end="1"/>
+                                            </p:txEl>
+                                          </p:spTgt>
+                                        </p:tgtEl>
+                                        <p:attrNameLst>
+                                          <p:attrName>style.visibility</p:attrName>
+                                        </p:attrNameLst>
+                                      </p:cBhvr>
+                                      <p:to>
+                                        <p:strVal val="visible"/>
+                                      </p:to>
+                                    </p:set>
+                                  </p:childTnLst>
+                                </p:cTn>
+                              </p:par>
+                            </p:childTnLst>
+                          </p:cTn>
+                        </p:par>
+                      </p:childTnLst>
+                    </p:cTn>
+                  </p:par>
+                  <p:par>
+                    <p:cTn id="7" fill="hold">
+                      <p:stCondLst>
+                        <p:cond delay="indefinite"/>
+                      </p:stCondLst>
+                      <p:childTnLst>
+                        <p:par>
+                          <p:cTn id="8" fill="hold">
+                            <p:stCondLst>
+                              <p:cond delay="0"/>
+                            </p:stCondLst>
+                            <p:childTnLst>
+                              <p:par>
+                                <p:cTn id="9" presetID="1" presetClass="entr" presetSubtype="0" fill="hold" nodeType="clickEffect">
+                                  <p:stCondLst>
+                                    <p:cond delay="0"/>
+                                  </p:stCondLst>
+                                  <p:childTnLst>
+                                    <p:set>
+                                      <p:cBhvr>
+                                        <p:cTn id="10" dur="1" fill="hold">
+                                          <p:stCondLst>
+                                            <p:cond delay="0"/>
+                                          </p:stCondLst>
+                                        </p:cTn>
+                                        <p:tgtEl>
+                                          <p:spTgt spid="3">
+                                            <p:txEl>
+                                              <p:pRg st="2" end="2"/>
+                                            </p:txEl>
+                                          </p:spTgt>
+                                        </p:tgtEl>
+                                        <p:attrNameLst>
+                                          <p:attrName>style.visibility</p:attrName>
+                                        </p:attrNameLst>
+                                      </p:cBhvr>
+                                      <p:to>
+                                        <p:strVal val="visible"/>
+                                      </p:to>
+                                    </p:set>
+                                  </p:childTnLst>
+                                </p:cTn>
+                              </p:par>
+                              <p:par>
+                                <p:cTn id="11" presetID="1" presetClass="entr" presetSubtype="0" fill="hold" nodeType="withEffect">
+                                  <p:stCondLst>
+                                    <p:cond delay="0"/>
+                                  </p:stCondLst>
+                                  <p:childTnLst>
+                                    <p:set>
+                                      <p:cBhvr>
+                                        <p:cTn id="12" dur="1" fill="hold">
+                                          <p:stCondLst>
+                                            <p:cond delay="0"/>
+                                          </p:stCondLst>
+                                        </p:cTn>
+                                        <p:tgtEl>
+                                          <p:spTgt spid="3">
+                                            <p:txEl>
+                                              <p:pRg st="3" end="3"/>
+                                            </p:txEl>
+                                          </p:spTgt>
+                                        </p:tgtEl>
+                                        <p:attrNameLst>
+                                          <p:attrName>style.visibility</p:attrName>
+                                        </p:attrNameLst>
+                                      </p:cBhvr>
+                                      <p:to>
+                                        <p:strVal val="visible"/>
+                                      </p:to>
+                                    </p:set>
+                                  </p:childTnLst>
+                                </p:cTn>
+                              </p:par>
+                            </p:childTnLst>
+                          </p:cTn>
+                        </p:par>
+                      </p:childTnLst>
+                    </p:cTn>
+                  </p:par>
+                  <p:par>
+                    <p:cTn id="13" fill="hold">
+                      <p:stCondLst>
+                        <p:cond delay="indefinite"/>
+                      </p:stCondLst>
+                      <p:childTnLst>
+                        <p:par>
+                          <p:cTn id="14" fill="hold">
+                            <p:stCondLst>
+                              <p:cond delay="0"/>
+                            </p:stCondLst>
+                            <p:childTnLst>
+                              <p:par>
+                                <p:cTn id="15" presetID="1" presetClass="entr" presetSubtype="0" fill="hold" nodeType="clickEffect">
+                                  <p:stCondLst>
+                                    <p:cond delay="0"/>
+                                  </p:stCondLst>
+                                  <p:childTnLst>
+                                    <p:set>
+                                      <p:cBhvr>
+                                        <p:cTn id="16" dur="1" fill="hold">
+                                          <p:stCondLst>
+                                            <p:cond delay="0"/>
+                                          </p:stCondLst>
+                                        </p:cTn>
+                                        <p:tgtEl>
+                                          <p:spTgt spid="3">
+                                            <p:txEl>
+                                              <p:pRg st="4" end="4"/>
+                                            </p:txEl>
+                                          </p:spTgt>
+                                        </p:tgtEl>
+                                        <p:attrNameLst>
+                                          <p:attrName>style.visibility</p:attrName>
+                                        </p:attrNameLst>
+                                      </p:cBhvr>
+                                      <p:to>
+                                        <p:strVal val="visible"/>
+                                      </p:to>
+                                    </p:set>
+                                  </p:childTnLst>
+                                </p:cTn>
+                              </p:par>
+                            </p:childTnLst>
+                          </p:cTn>
+                        </p:par>
+                      </p:childTnLst>
+                    </p:cTn>
+                  </p:par>
+                  <p:par>
+                    <p:cTn id="17" fill="hold">
+                      <p:stCondLst>
+                        <p:cond delay="indefinite"/>
+                      </p:stCondLst>
+                      <p:childTnLst>
+                        <p:par>
+                          <p:cTn id="18" fill="hold">
+                            <p:stCondLst>
+                              <p:cond delay="0"/>
+                            </p:stCondLst>
+                            <p:childTnLst>
+                              <p:par>
+                                <p:cTn id="19" presetID="1" presetClass="entr" presetSubtype="0" fill="hold" nodeType="clickEffect">
+                                  <p:stCondLst>
+                                    <p:cond delay="0"/>
+                                  </p:stCondLst>
+                                  <p:childTnLst>
+                                    <p:set>
+                                      <p:cBhvr>
+                                        <p:cTn id="20" dur="1" fill="hold">
+                                          <p:stCondLst>
+                                            <p:cond delay="0"/>
+                                          </p:stCondLst>
+                                        </p:cTn>
+                                        <p:tgtEl>
+                                          <p:spTgt spid="4">
+                                            <p:txEl>
+                                              <p:pRg st="0" end="0"/>
+                                            </p:txEl>
+                                          </p:spTgt>
+                                        </p:tgtEl>
+                                        <p:attrNameLst>
+                                          <p:attrName>style.visibility</p:attrName>
+                                        </p:attrNameLst>
+                                      </p:cBhvr>
+                                      <p:to>
+                                        <p:strVal val="visible"/>
+                                      </p:to>
+                                    </p:set>
+                                  </p:childTnLst>
+                                </p:cTn>
+                              </p:par>
+                            </p:childTnLst>
+                          </p:cTn>
+                        </p:par>
+                      </p:childTnLst>
+                    </p:cTn>
+                  </p:par>
+                  <p:par>
+                    <p:cTn id="21" fill="hold">
+                      <p:stCondLst>
+                        <p:cond delay="indefinite"/>
+                      </p:stCondLst>
+                      <p:childTnLst>
+                        <p:par>
+                          <p:cTn id="22" fill="hold">
+                            <p:stCondLst>
+                              <p:cond delay="0"/>
+                            </p:stCondLst>
+                            <p:childTnLst>
+                              <p:par>
+                                <p:cTn id="23" presetID="1" presetClass="entr" presetSubtype="0" fill="hold" nodeType="clickEffect">
+                                  <p:stCondLst>
+                                    <p:cond delay="0"/>
+                                  </p:stCondLst>
+                                  <p:childTnLst>
+                                    <p:set>
+                                      <p:cBhvr>
+                                        <p:cTn id="24" dur="1" fill="hold">
+                                          <p:stCondLst>
+                                            <p:cond delay="0"/>
+                                          </p:stCondLst>
+                                        </p:cTn>
+                                        <p:tgtEl>
+                                          <p:spTgt spid="4">
+                                            <p:txEl>
+                                              <p:pRg st="1" end="1"/>
+                                            </p:txEl>
+                                          </p:spTgt>
+                                        </p:tgtEl>
+                                        <p:attrNameLst>
+                                          <p:attrName>style.visibility</p:attrName>
+                                        </p:attrNameLst>
+                                      </p:cBhvr>
+                                      <p:to>
+                                        <p:strVal val="visible"/>
+                                      </p:to>
+                                    </p:set>
+                                  </p:childTnLst>
+                                </p:cTn>
+                              </p:par>
+                            </p:childTnLst>
+                          </p:cTn>
+                        </p:par>
+                      </p:childTnLst>
+                    </p:cTn>
+                  </p:par>
+                  <p:par>
+                    <p:cTn id="25" fill="hold">
+                      <p:stCondLst>
+                        <p:cond delay="indefinite"/>
+                      </p:stCondLst>
+                      <p:childTnLst>
+                        <p:par>
+                          <p:cTn id="26" fill="hold">
+                            <p:stCondLst>
+                              <p:cond delay="0"/>
+                            </p:stCondLst>
+                            <p:childTnLst>
+                              <p:par>
+                                <p:cTn id="27" presetID="1" presetClass="entr" presetSubtype="0" fill="hold" nodeType="clickEffect">
+                                  <p:stCondLst>
+                                    <p:cond delay="0"/>
+                                  </p:stCondLst>
+                                  <p:childTnLst>
+                                    <p:set>
+                                      <p:cBhvr>
+                                        <p:cTn id="28" dur="1" fill="hold">
+                                          <p:stCondLst>
+                                            <p:cond delay="0"/>
+                                          </p:stCondLst>
+                                        </p:cTn>
+                                        <p:tgtEl>
+                                          <p:spTgt spid="4">
+                                            <p:txEl>
+                                              <p:pRg st="2" end="2"/>
+                                            </p:txEl>
+                                          </p:spTgt>
+                                        </p:tgtEl>
+                                        <p:attrNameLst>
+                                          <p:attrName>style.visibility</p:attrName>
+                                        </p:attrNameLst>
+                                      </p:cBhvr>
+                                      <p:to>
+                                        <p:strVal val="visible"/>
+                                      </p:to>
+                                    </p:set>
+                                  </p:childTnLst>
+                                </p:cTn>
+                              </p:par>
+                            </p:childTnLst>
+                          </p:cTn>
+                        </p:par>
+                      </p:childTnLst>
+                    </p:cTn>
+                  </p:par>
+                </p:childTnLst>
+              </p:cTn>
+              <p:prevCondLst>
+                <p:cond evt="onPrev" delay="0">
+                  <p:tgtEl>
+                    <p:sldTgt/>
+                  </p:tgtEl>
+                </p:cond>
+              </p:prevCondLst>
+              <p:nextCondLst>
+                <p:cond evt="onNext" delay="0">
+                  <p:tgtEl>
+                    <p:sldTgt/>
+                  </p:tgtEl>
+                </p:cond>
+              </p:nextCondLst>
+            </p:seq>
+          </p:childTnLst>
+        </p:cTn>
+      </p:par>
+    </p:tnLst>
+  </p:timing>
+</p:sld>
+</file>
+
+<file path=ppt/slides/slide4.xml><?xml version="1.0" encoding="utf-8"?>
+<p:sld xmlns:a="http://schemas.openxmlformats.org/drawingml/2006/main" xmlns:r="http://schemas.openxmlformats.org/officeDocument/2006/relationships" xmlns:p="http://schemas.openxmlformats.org/presentationml/2006/main">
+  <p:cSld>
+    <p:spTree>
+      <p:nvGrpSpPr>
+        <p:cNvPr id="1" name=""/>
+        <p:cNvGrpSpPr/>
+        <p:nvPr/>
+      </p:nvGrpSpPr>
+      <p:grpSpPr>
+        <a:xfrm>
+          <a:off x="0" y="0"/>
+          <a:ext cx="0" cy="0"/>
+          <a:chOff x="0" y="0"/>
+          <a:chExt cx="0" cy="0"/>
+        </a:xfrm>
+      </p:grpSpPr>
+      <p:pic>
+        <p:nvPicPr>
+          <p:cNvPr id="3074" name="Picture 2"/>
+          <p:cNvPicPr>
+            <a:picLocks noChangeAspect="1" noChangeArrowheads="1"/>
+          </p:cNvPicPr>
+          <p:nvPr/>
+        </p:nvPicPr>
+        <p:blipFill>
+          <a:blip r:embed="rId2">
+            <a:extLst>
+              <a:ext uri="{28A0092B-C50C-407E-A947-70E740481C1C}">
+                <a14:useLocalDpi xmlns:a14="http://schemas.microsoft.com/office/drawing/2010/main" val="0"/>
+              </a:ext>
+            </a:extLst>
+          </a:blip>
+          <a:srcRect/>
+          <a:stretch>
+            <a:fillRect/>
+          </a:stretch>
+        </p:blipFill>
+        <p:spPr bwMode="auto">
+          <a:xfrm>
+            <a:off x="152400" y="152400"/>
+            <a:ext cx="5500801" cy="6477000"/>
+          </a:xfrm>
+          <a:prstGeom prst="rect">
+            <a:avLst/>
+          </a:prstGeom>
+          <a:noFill/>
+          <a:ln>
+            <a:noFill/>
+          </a:ln>
+          <a:effectLst/>
+          <a:extLst>
+            <a:ext uri="{909E8E84-426E-40DD-AFC4-6F175D3DCCD1}">
+              <a14:hiddenFill xmlns:a14="http://schemas.microsoft.com/office/drawing/2010/main">
+                <a:solidFill>
+                  <a:schemeClr val="accent1"/>
+                </a:solidFill>
+              </a14:hiddenFill>
+            </a:ext>
+            <a:ext uri="{91240B29-F687-4F45-9708-019B960494DF}">
+              <a14:hiddenLine xmlns:a14="http://schemas.microsoft.com/office/drawing/2010/main" w="9525">
+                <a:solidFill>
+                  <a:schemeClr val="tx1"/>
+                </a:solidFill>
+                <a:miter lim="800000"/>
+                <a:headEnd/>
+                <a:tailEnd/>
+              </a14:hiddenLine>
+            </a:ext>
+            <a:ext uri="{AF507438-7753-43E0-B8FC-AC1667EBCBE1}">
+              <a14:hiddenEffects xmlns:a14="http://schemas.microsoft.com/office/drawing/2010/main">
+                <a:effectLst>
+                  <a:outerShdw dist="35921" dir="2700000" algn="ctr" rotWithShape="0">
+                    <a:schemeClr val="bg2"/>
+                  </a:outerShdw>
+                </a:effectLst>
+              </a14:hiddenEffects>
+            </a:ext>
+          </a:extLst>
+        </p:spPr>
+      </p:pic>
+      <p:sp>
+        <p:nvSpPr>
+          <p:cNvPr id="3" name="TextBox 2"/>
+          <p:cNvSpPr txBox="1"/>
+          <p:nvPr/>
+        </p:nvSpPr>
+        <p:spPr>
+          <a:xfrm>
+            <a:off x="5772228" y="457200"/>
+            <a:ext cx="3219371" cy="2462213"/>
+          </a:xfrm>
+          <a:prstGeom prst="rect">
+            <a:avLst/>
+          </a:prstGeom>
+          <a:noFill/>
+        </p:spPr>
+        <p:txBody>
+          <a:bodyPr wrap="square" rtlCol="0">
+            <a:spAutoFit/>
+          </a:bodyPr>
+          <a:lstStyle/>
+          <a:p>
+            <a:pPr marL="285750" indent="-285750">
+              <a:buFont typeface="Arial" panose="020B0604020202020204" pitchFamily="34" charset="0"/>
+              <a:buChar char="•"/>
+            </a:pPr>
+            <a:r>
+              <a:rPr lang="en-US" sz="1400" b="1" dirty="0" smtClean="0">
+                <a:solidFill>
+                  <a:schemeClr val="bg1"/>
+                </a:solidFill>
+              </a:rPr>
+              <a:t>No data from John Mahon</a:t>
+            </a:r>
+          </a:p>
+          <a:p>
+            <a:pPr marL="285750" indent="-285750">
+              <a:buFont typeface="Arial" panose="020B0604020202020204" pitchFamily="34" charset="0"/>
+              <a:buChar char="•"/>
+            </a:pPr>
+            <a:r>
+              <a:rPr lang="en-US" sz="1400" b="1" dirty="0" smtClean="0">
+                <a:solidFill>
+                  <a:schemeClr val="bg1"/>
+                </a:solidFill>
+              </a:rPr>
+              <a:t>6/16/16 Tracy Cullen sent data</a:t>
+            </a:r>
+          </a:p>
+          <a:p>
+            <a:pPr marL="742950" lvl="1" indent="-285750">
+              <a:buFont typeface="Arial" panose="020B0604020202020204" pitchFamily="34" charset="0"/>
+              <a:buChar char="•"/>
+            </a:pPr>
+            <a:r>
+              <a:rPr lang="en-US" sz="1400" b="1" dirty="0" smtClean="0">
+                <a:solidFill>
+                  <a:schemeClr val="bg1"/>
+                </a:solidFill>
+              </a:rPr>
+              <a:t>Think just summary of data from original 5/11/16 meeting</a:t>
+            </a:r>
+          </a:p>
+          <a:p>
+            <a:pPr marL="285750" indent="-285750">
+              <a:buFont typeface="Arial" panose="020B0604020202020204" pitchFamily="34" charset="0"/>
+              <a:buChar char="•"/>
+            </a:pPr>
+            <a:r>
+              <a:rPr lang="en-US" sz="1400" b="1" dirty="0" smtClean="0">
+                <a:solidFill>
+                  <a:schemeClr val="bg1"/>
+                </a:solidFill>
+              </a:rPr>
+              <a:t>No PC perceived problems</a:t>
+            </a:r>
+          </a:p>
+          <a:p>
+            <a:pPr marL="285750" indent="-285750">
+              <a:buFont typeface="Arial" panose="020B0604020202020204" pitchFamily="34" charset="0"/>
+              <a:buChar char="•"/>
+            </a:pPr>
+            <a:r>
+              <a:rPr lang="en-US" sz="1400" b="1" dirty="0" smtClean="0">
+                <a:solidFill>
+                  <a:schemeClr val="bg1"/>
+                </a:solidFill>
+              </a:rPr>
+              <a:t>?? </a:t>
+            </a:r>
+            <a:r>
+              <a:rPr lang="en-US" sz="1400" b="1" dirty="0" err="1" smtClean="0">
+                <a:solidFill>
+                  <a:schemeClr val="bg1"/>
+                </a:solidFill>
+              </a:rPr>
+              <a:t>wrt</a:t>
+            </a:r>
+            <a:r>
+              <a:rPr lang="en-US" sz="1400" b="1" dirty="0" smtClean="0">
+                <a:solidFill>
+                  <a:schemeClr val="bg1"/>
+                </a:solidFill>
+              </a:rPr>
+              <a:t>: PC  perceived problems:</a:t>
+            </a:r>
+          </a:p>
+          <a:p>
+            <a:pPr marL="742950" lvl="1" indent="-285750">
+              <a:buFont typeface="Arial" panose="020B0604020202020204" pitchFamily="34" charset="0"/>
+              <a:buChar char="•"/>
+            </a:pPr>
+            <a:r>
+              <a:rPr lang="en-US" sz="1400" b="1" dirty="0">
+                <a:solidFill>
+                  <a:schemeClr val="bg1"/>
+                </a:solidFill>
+              </a:rPr>
+              <a:t>N</a:t>
+            </a:r>
+            <a:r>
+              <a:rPr lang="en-US" sz="1400" b="1" dirty="0" smtClean="0">
+                <a:solidFill>
+                  <a:schemeClr val="bg1"/>
+                </a:solidFill>
+              </a:rPr>
+              <a:t>ot identified</a:t>
+            </a:r>
+          </a:p>
+          <a:p>
+            <a:pPr marL="742950" lvl="1" indent="-285750">
+              <a:buFont typeface="Arial" panose="020B0604020202020204" pitchFamily="34" charset="0"/>
+              <a:buChar char="•"/>
+            </a:pPr>
+            <a:r>
+              <a:rPr lang="en-US" sz="1400" b="1" dirty="0" smtClean="0">
+                <a:solidFill>
+                  <a:schemeClr val="bg1"/>
+                </a:solidFill>
+              </a:rPr>
+              <a:t>Not evaluated by “Clinic </a:t>
+            </a:r>
+            <a:r>
+              <a:rPr lang="en-US" sz="1400" b="1" dirty="0" err="1" smtClean="0">
+                <a:solidFill>
+                  <a:schemeClr val="bg1"/>
+                </a:solidFill>
+              </a:rPr>
+              <a:t>Questionaire</a:t>
+            </a:r>
+            <a:r>
+              <a:rPr lang="en-US" sz="1400" b="1" dirty="0" smtClean="0">
+                <a:solidFill>
+                  <a:schemeClr val="bg1"/>
+                </a:solidFill>
+              </a:rPr>
+              <a:t>”</a:t>
+            </a:r>
+          </a:p>
+          <a:p>
+            <a:pPr marL="742950" lvl="1" indent="-285750">
+              <a:buFont typeface="Arial" panose="020B0604020202020204" pitchFamily="34" charset="0"/>
+              <a:buChar char="•"/>
+            </a:pPr>
+            <a:r>
+              <a:rPr lang="en-US" sz="1400" b="1" dirty="0" smtClean="0">
+                <a:solidFill>
+                  <a:schemeClr val="bg1"/>
+                </a:solidFill>
+              </a:rPr>
+              <a:t>No interventions tried in Pilot</a:t>
+            </a:r>
+          </a:p>
+          <a:p>
+            <a:pPr marL="742950" lvl="1" indent="-285750">
+              <a:buFont typeface="Arial" panose="020B0604020202020204" pitchFamily="34" charset="0"/>
+              <a:buChar char="•"/>
+            </a:pPr>
+            <a:r>
+              <a:rPr lang="en-US" sz="1400" b="1" dirty="0" smtClean="0">
+                <a:solidFill>
+                  <a:schemeClr val="bg1"/>
+                </a:solidFill>
+              </a:rPr>
+              <a:t>No chance of improvement</a:t>
+            </a:r>
+          </a:p>
+        </p:txBody>
+      </p:sp>
+    </p:spTree>
+    <p:extLst>
+      <p:ext uri="{BB962C8B-B14F-4D97-AF65-F5344CB8AC3E}">
+        <p14:creationId xmlns:p14="http://schemas.microsoft.com/office/powerpoint/2010/main" val="2844910392"/>
+      </p:ext>
+    </p:extLst>
+  </p:cSld>
+  <p:clrMapOvr>
+    <a:masterClrMapping/>
+  </p:clrMapOvr>
+  <p:timing>
+    <p:tnLst>
+      <p:par>
+        <p:cTn id="1" dur="indefinite" restart="never" nodeType="tmRoot">
+          <p:childTnLst>
+            <p:seq concurrent="1" nextAc="seek">
+              <p:cTn id="2" dur="indefinite" nodeType="mainSeq">
+                <p:childTnLst>
+                  <p:par>
+                    <p:cTn id="3" fill="hold">
+                      <p:stCondLst>
+                        <p:cond delay="indefinite"/>
+                      </p:stCondLst>
+                      <p:childTnLst>
+                        <p:par>
+                          <p:cTn id="4" fill="hold">
+                            <p:stCondLst>
+                              <p:cond delay="0"/>
+                            </p:stCondLst>
+                            <p:childTnLst>
+                              <p:par>
+                                <p:cTn id="5" presetID="1" presetClass="entr" presetSubtype="0" fill="hold" nodeType="clickEffect">
+                                  <p:stCondLst>
+                                    <p:cond delay="0"/>
+                                  </p:stCondLst>
+                                  <p:childTnLst>
+                                    <p:set>
+                                      <p:cBhvr>
+                                        <p:cTn id="6" dur="1" fill="hold">
+                                          <p:stCondLst>
+                                            <p:cond delay="0"/>
+                                          </p:stCondLst>
+                                        </p:cTn>
+                                        <p:tgtEl>
+                                          <p:spTgt spid="3">
+                                            <p:txEl>
+                                              <p:pRg st="1" end="1"/>
+                                            </p:txEl>
+                                          </p:spTgt>
+                                        </p:tgtEl>
+                                        <p:attrNameLst>
+                                          <p:attrName>style.visibility</p:attrName>
+                                        </p:attrNameLst>
+                                      </p:cBhvr>
+                                      <p:to>
+                                        <p:strVal val="visible"/>
+                                      </p:to>
+                                    </p:set>
+                                  </p:childTnLst>
+                                </p:cTn>
+                              </p:par>
+                              <p:par>
+                                <p:cTn id="7" presetID="1" presetClass="entr" presetSubtype="0" fill="hold" nodeType="withEffect">
+                                  <p:stCondLst>
+                                    <p:cond delay="0"/>
+                                  </p:stCondLst>
+                                  <p:childTnLst>
+                                    <p:set>
+                                      <p:cBhvr>
+                                        <p:cTn id="8" dur="1" fill="hold">
+                                          <p:stCondLst>
+                                            <p:cond delay="0"/>
+                                          </p:stCondLst>
+                                        </p:cTn>
+                                        <p:tgtEl>
+                                          <p:spTgt spid="3">
+                                            <p:txEl>
+                                              <p:pRg st="2" end="2"/>
+                                            </p:txEl>
+                                          </p:spTgt>
+                                        </p:tgtEl>
+                                        <p:attrNameLst>
+                                          <p:attrName>style.visibility</p:attrName>
+                                        </p:attrNameLst>
+                                      </p:cBhvr>
+                                      <p:to>
+                                        <p:strVal val="visible"/>
+                                      </p:to>
+                                    </p:set>
+                                  </p:childTnLst>
+                                </p:cTn>
+                              </p:par>
+                            </p:childTnLst>
+                          </p:cTn>
+                        </p:par>
+                      </p:childTnLst>
+                    </p:cTn>
+                  </p:par>
+                  <p:par>
+                    <p:cTn id="9" fill="hold">
+                      <p:stCondLst>
+                        <p:cond delay="indefinite"/>
+                      </p:stCondLst>
+                      <p:childTnLst>
+                        <p:par>
+                          <p:cTn id="10" fill="hold">
+                            <p:stCondLst>
+                              <p:cond delay="0"/>
+                            </p:stCondLst>
+                            <p:childTnLst>
+                              <p:par>
+                                <p:cTn id="11" presetID="1" presetClass="entr" presetSubtype="0" fill="hold" nodeType="clickEffect">
+                                  <p:stCondLst>
+                                    <p:cond delay="0"/>
+                                  </p:stCondLst>
+                                  <p:childTnLst>
+                                    <p:set>
+                                      <p:cBhvr>
+                                        <p:cTn id="12" dur="1" fill="hold">
+                                          <p:stCondLst>
+                                            <p:cond delay="0"/>
+                                          </p:stCondLst>
+                                        </p:cTn>
+                                        <p:tgtEl>
+                                          <p:spTgt spid="3">
+                                            <p:txEl>
+                                              <p:pRg st="3" end="3"/>
+                                            </p:txEl>
+                                          </p:spTgt>
+                                        </p:tgtEl>
+                                        <p:attrNameLst>
+                                          <p:attrName>style.visibility</p:attrName>
+                                        </p:attrNameLst>
+                                      </p:cBhvr>
+                                      <p:to>
+                                        <p:strVal val="visible"/>
+                                      </p:to>
+                                    </p:set>
+                                  </p:childTnLst>
+                                </p:cTn>
+                              </p:par>
+                            </p:childTnLst>
+                          </p:cTn>
+                        </p:par>
+                      </p:childTnLst>
+                    </p:cTn>
+                  </p:par>
+                  <p:par>
+                    <p:cTn id="13" fill="hold">
+                      <p:stCondLst>
+                        <p:cond delay="indefinite"/>
+                      </p:stCondLst>
+                      <p:childTnLst>
+                        <p:par>
+                          <p:cTn id="14" fill="hold">
+                            <p:stCondLst>
+                              <p:cond delay="0"/>
+                            </p:stCondLst>
+                            <p:childTnLst>
+                              <p:par>
+                                <p:cTn id="15" presetID="1" presetClass="entr" presetSubtype="0" fill="hold" nodeType="clickEffect">
+                                  <p:stCondLst>
+                                    <p:cond delay="0"/>
+                                  </p:stCondLst>
+                                  <p:childTnLst>
+                                    <p:set>
+                                      <p:cBhvr>
+                                        <p:cTn id="16" dur="1" fill="hold">
+                                          <p:stCondLst>
+                                            <p:cond delay="0"/>
+                                          </p:stCondLst>
+                                        </p:cTn>
+                                        <p:tgtEl>
+                                          <p:spTgt spid="3">
+                                            <p:txEl>
+                                              <p:pRg st="4" end="4"/>
+                                            </p:txEl>
+                                          </p:spTgt>
+                                        </p:tgtEl>
+                                        <p:attrNameLst>
+                                          <p:attrName>style.visibility</p:attrName>
+                                        </p:attrNameLst>
+                                      </p:cBhvr>
+                                      <p:to>
+                                        <p:strVal val="visible"/>
+                                      </p:to>
+                                    </p:set>
+                                  </p:childTnLst>
+                                </p:cTn>
+                              </p:par>
+                            </p:childTnLst>
+                          </p:cTn>
+                        </p:par>
+                      </p:childTnLst>
+                    </p:cTn>
+                  </p:par>
+                  <p:par>
+                    <p:cTn id="17" fill="hold">
+                      <p:stCondLst>
+                        <p:cond delay="indefinite"/>
+                      </p:stCondLst>
+                      <p:childTnLst>
+                        <p:par>
+                          <p:cTn id="18" fill="hold">
+                            <p:stCondLst>
+                              <p:cond delay="0"/>
+                            </p:stCondLst>
+                            <p:childTnLst>
+                              <p:par>
+                                <p:cTn id="19" presetID="1" presetClass="entr" presetSubtype="0" fill="hold" nodeType="clickEffect">
+                                  <p:stCondLst>
+                                    <p:cond delay="0"/>
+                                  </p:stCondLst>
+                                  <p:childTnLst>
+                                    <p:set>
+                                      <p:cBhvr>
+                                        <p:cTn id="20" dur="1" fill="hold">
+                                          <p:stCondLst>
+                                            <p:cond delay="0"/>
+                                          </p:stCondLst>
+                                        </p:cTn>
+                                        <p:tgtEl>
+                                          <p:spTgt spid="3">
+                                            <p:txEl>
+                                              <p:pRg st="5" end="5"/>
+                                            </p:txEl>
+                                          </p:spTgt>
+                                        </p:tgtEl>
+                                        <p:attrNameLst>
+                                          <p:attrName>style.visibility</p:attrName>
+                                        </p:attrNameLst>
+                                      </p:cBhvr>
+                                      <p:to>
+                                        <p:strVal val="visible"/>
+                                      </p:to>
+                                    </p:set>
+                                  </p:childTnLst>
+                                </p:cTn>
+                              </p:par>
+                            </p:childTnLst>
+                          </p:cTn>
+                        </p:par>
+                      </p:childTnLst>
+                    </p:cTn>
+                  </p:par>
+                  <p:par>
+                    <p:cTn id="21" fill="hold">
+                      <p:stCondLst>
+                        <p:cond delay="indefinite"/>
+                      </p:stCondLst>
+                      <p:childTnLst>
+                        <p:par>
+                          <p:cTn id="22" fill="hold">
+                            <p:stCondLst>
+                              <p:cond delay="0"/>
+                            </p:stCondLst>
+                            <p:childTnLst>
+                              <p:par>
+                                <p:cTn id="23" presetID="1" presetClass="entr" presetSubtype="0" fill="hold" nodeType="clickEffect">
+                                  <p:stCondLst>
+                                    <p:cond delay="0"/>
+                                  </p:stCondLst>
+                                  <p:childTnLst>
+                                    <p:set>
+                                      <p:cBhvr>
+                                        <p:cTn id="24" dur="1" fill="hold">
+                                          <p:stCondLst>
+                                            <p:cond delay="0"/>
+                                          </p:stCondLst>
+                                        </p:cTn>
+                                        <p:tgtEl>
+                                          <p:spTgt spid="3">
+                                            <p:txEl>
+                                              <p:pRg st="6" end="6"/>
+                                            </p:txEl>
+                                          </p:spTgt>
+                                        </p:tgtEl>
+                                        <p:attrNameLst>
+                                          <p:attrName>style.visibility</p:attrName>
+                                        </p:attrNameLst>
+                                      </p:cBhvr>
+                                      <p:to>
+                                        <p:strVal val="visible"/>
+                                      </p:to>
+                                    </p:set>
+                                  </p:childTnLst>
+                                </p:cTn>
+                              </p:par>
+                            </p:childTnLst>
+                          </p:cTn>
+                        </p:par>
+                      </p:childTnLst>
+                    </p:cTn>
+                  </p:par>
+                  <p:par>
+                    <p:cTn id="25" fill="hold">
+                      <p:stCondLst>
+                        <p:cond delay="indefinite"/>
+                      </p:stCondLst>
+                      <p:childTnLst>
+                        <p:par>
+                          <p:cTn id="26" fill="hold">
+                            <p:stCondLst>
+                              <p:cond delay="0"/>
+                            </p:stCondLst>
+                            <p:childTnLst>
+                              <p:par>
+                                <p:cTn id="27" presetID="1" presetClass="entr" presetSubtype="0" fill="hold" nodeType="clickEffect">
+                                  <p:stCondLst>
+                                    <p:cond delay="0"/>
+                                  </p:stCondLst>
+                                  <p:childTnLst>
+                                    <p:set>
+                                      <p:cBhvr>
+                                        <p:cTn id="28" dur="1" fill="hold">
+                                          <p:stCondLst>
+                                            <p:cond delay="0"/>
+                                          </p:stCondLst>
+                                        </p:cTn>
+                                        <p:tgtEl>
+                                          <p:spTgt spid="3">
+                                            <p:txEl>
+                                              <p:pRg st="7" end="7"/>
+                                            </p:txEl>
+                                          </p:spTgt>
+                                        </p:tgtEl>
+                                        <p:attrNameLst>
+                                          <p:attrName>style.visibility</p:attrName>
+                                        </p:attrNameLst>
+                                      </p:cBhvr>
+                                      <p:to>
+                                        <p:strVal val="visible"/>
+                                      </p:to>
+                                    </p:set>
+                                  </p:childTnLst>
+                                </p:cTn>
+                              </p:par>
+                            </p:childTnLst>
+                          </p:cTn>
+                        </p:par>
+                      </p:childTnLst>
+                    </p:cTn>
+                  </p:par>
+                  <p:par>
+                    <p:cTn id="29" fill="hold">
+                      <p:stCondLst>
+                        <p:cond delay="indefinite"/>
+                      </p:stCondLst>
+                      <p:childTnLst>
+                        <p:par>
+                          <p:cTn id="30" fill="hold">
+                            <p:stCondLst>
+                              <p:cond delay="0"/>
+                            </p:stCondLst>
+                            <p:childTnLst>
+                              <p:par>
+                                <p:cTn id="31" presetID="1" presetClass="entr" presetSubtype="0" fill="hold" nodeType="clickEffect">
+                                  <p:stCondLst>
+                                    <p:cond delay="0"/>
+                                  </p:stCondLst>
+                                  <p:childTnLst>
+                                    <p:set>
+                                      <p:cBhvr>
+                                        <p:cTn id="32" dur="1" fill="hold">
+                                          <p:stCondLst>
+                                            <p:cond delay="0"/>
+                                          </p:stCondLst>
+                                        </p:cTn>
+                                        <p:tgtEl>
+                                          <p:spTgt spid="3">
+                                            <p:txEl>
+                                              <p:pRg st="8" end="8"/>
+                                            </p:txEl>
+                                          </p:spTgt>
+                                        </p:tgtEl>
+                                        <p:attrNameLst>
+                                          <p:attrName>style.visibility</p:attrName>
+                                        </p:attrNameLst>
+                                      </p:cBhvr>
+                                      <p:to>
+                                        <p:strVal val="visible"/>
+                                      </p:to>
+                                    </p:set>
+                                  </p:childTnLst>
+                                </p:cTn>
+                              </p:par>
+                            </p:childTnLst>
+                          </p:cTn>
+                        </p:par>
+                      </p:childTnLst>
+                    </p:cTn>
+                  </p:par>
+                </p:childTnLst>
+              </p:cTn>
+              <p:prevCondLst>
+                <p:cond evt="onPrev" delay="0">
+                  <p:tgtEl>
+                    <p:sldTgt/>
+                  </p:tgtEl>
+                </p:cond>
+              </p:prevCondLst>
+              <p:nextCondLst>
+                <p:cond evt="onNext" delay="0">
+                  <p:tgtEl>
+                    <p:sldTgt/>
+                  </p:tgtEl>
+                </p:cond>
+              </p:nextCondLst>
+            </p:seq>
+          </p:childTnLst>
+        </p:cTn>
+      </p:par>
+    </p:tnLst>
+  </p:timing>
+</p:sld>
+</file>
+
+<file path=ppt/slides/slide5.xml><?xml version="1.0" encoding="utf-8"?>
+<p:sld xmlns:a="http://schemas.openxmlformats.org/drawingml/2006/main" xmlns:r="http://schemas.openxmlformats.org/officeDocument/2006/relationships" xmlns:p="http://schemas.openxmlformats.org/presentationml/2006/main">
+  <p:cSld>
+    <p:spTree>
+      <p:nvGrpSpPr>
+        <p:cNvPr id="1" name=""/>
+        <p:cNvGrpSpPr/>
+        <p:nvPr/>
+      </p:nvGrpSpPr>
+      <p:grpSpPr>
+        <a:xfrm>
+          <a:off x="0" y="0"/>
+          <a:ext cx="0" cy="0"/>
+          <a:chOff x="0" y="0"/>
+          <a:chExt cx="0" cy="0"/>
+        </a:xfrm>
+      </p:grpSpPr>
+      <p:sp>
+        <p:nvSpPr>
+          <p:cNvPr id="2" name="Title 1"/>
+          <p:cNvSpPr>
+            <a:spLocks noGrp="1"/>
+          </p:cNvSpPr>
+          <p:nvPr>
+            <p:ph type="title"/>
+          </p:nvPr>
+        </p:nvSpPr>
+        <p:spPr>
+          <a:xfrm>
+            <a:off x="457200" y="122238"/>
+            <a:ext cx="8458200" cy="868362"/>
+          </a:xfrm>
+        </p:spPr>
+        <p:txBody>
+          <a:bodyPr>
+            <a:normAutofit fontScale="90000"/>
+          </a:bodyPr>
+          <a:lstStyle/>
+          <a:p>
+            <a:r>
+              <a:rPr lang="en-US" sz="3100" dirty="0" smtClean="0"/>
+              <a:t>Improving Patient </a:t>
+            </a:r>
+            <a:r>
+              <a:rPr lang="en-US" sz="3100" dirty="0" smtClean="0"/>
+              <a:t>Flow/Care </a:t>
+            </a:r>
+            <a:r>
+              <a:rPr lang="en-US" sz="3100" dirty="0" smtClean="0"/>
+              <a:t>In Clinics</a:t>
+            </a:r>
+            <a:br>
+              <a:rPr lang="en-US" sz="3100" dirty="0" smtClean="0"/>
+            </a:br>
+            <a:r>
+              <a:rPr lang="en-US" sz="2000" dirty="0" smtClean="0"/>
+              <a:t>Methodology and Progress So Far</a:t>
+            </a:r>
+            <a:br>
+              <a:rPr lang="en-US" sz="2000" dirty="0" smtClean="0"/>
+            </a:br>
+            <a:endParaRPr lang="en-US" sz="2000" dirty="0"/>
+          </a:p>
+        </p:txBody>
+      </p:sp>
+      <p:sp>
+        <p:nvSpPr>
+          <p:cNvPr id="3" name="Content Placeholder 2"/>
+          <p:cNvSpPr>
+            <a:spLocks noGrp="1"/>
+          </p:cNvSpPr>
+          <p:nvPr>
+            <p:ph idx="1"/>
+          </p:nvPr>
+        </p:nvSpPr>
+        <p:spPr>
+          <a:xfrm>
+            <a:off x="457200" y="838201"/>
+            <a:ext cx="8229600" cy="5867399"/>
+          </a:xfrm>
+        </p:spPr>
+        <p:txBody>
+          <a:bodyPr>
+            <a:normAutofit fontScale="47500" lnSpcReduction="20000"/>
+          </a:bodyPr>
+          <a:lstStyle/>
+          <a:p>
+            <a:r>
+              <a:rPr lang="en-US" b="1" dirty="0" smtClean="0">
+                <a:solidFill>
+                  <a:srgbClr val="FFFF00"/>
+                </a:solidFill>
+              </a:rPr>
+              <a:t>5/11/16:</a:t>
+            </a:r>
+            <a:r>
+              <a:rPr lang="en-US" b="1" dirty="0" smtClean="0"/>
+              <a:t> </a:t>
+            </a:r>
+            <a:r>
+              <a:rPr lang="en-US" b="1" dirty="0" smtClean="0">
+                <a:solidFill>
+                  <a:srgbClr val="FFFF00"/>
+                </a:solidFill>
+              </a:rPr>
+              <a:t>“Administrator” meeting </a:t>
+            </a:r>
+          </a:p>
+          <a:p>
+            <a:r>
+              <a:rPr lang="en-US" b="1" dirty="0" smtClean="0">
+                <a:solidFill>
+                  <a:srgbClr val="FFFF00"/>
+                </a:solidFill>
+              </a:rPr>
+              <a:t>5/24/16:</a:t>
+            </a:r>
+            <a:r>
+              <a:rPr lang="en-US" b="1" dirty="0" smtClean="0"/>
+              <a:t> </a:t>
+            </a:r>
+            <a:r>
+              <a:rPr lang="en-US" b="1" dirty="0" smtClean="0">
+                <a:solidFill>
+                  <a:srgbClr val="FFFF00"/>
+                </a:solidFill>
+              </a:rPr>
+              <a:t>MD perceived problems </a:t>
+            </a:r>
+            <a:r>
+              <a:rPr lang="en-US" b="1" dirty="0" smtClean="0"/>
+              <a:t>to Mentis</a:t>
+            </a:r>
+          </a:p>
+          <a:p>
+            <a:r>
+              <a:rPr lang="en-US" b="1" dirty="0" smtClean="0">
+                <a:solidFill>
+                  <a:srgbClr val="FFFF00"/>
+                </a:solidFill>
+              </a:rPr>
+              <a:t>6/16/16:</a:t>
+            </a:r>
+            <a:r>
+              <a:rPr lang="en-US" b="1" dirty="0" smtClean="0"/>
+              <a:t> </a:t>
+            </a:r>
+            <a:r>
+              <a:rPr lang="en-US" b="1" dirty="0" smtClean="0">
+                <a:solidFill>
+                  <a:srgbClr val="FFFF00"/>
+                </a:solidFill>
+              </a:rPr>
+              <a:t>PC perceived problems </a:t>
+            </a:r>
+            <a:r>
+              <a:rPr lang="en-US" b="1" dirty="0" smtClean="0"/>
+              <a:t>to Mentis</a:t>
+            </a:r>
+          </a:p>
+          <a:p>
+            <a:r>
+              <a:rPr lang="en-US" b="1" dirty="0" smtClean="0">
+                <a:solidFill>
+                  <a:srgbClr val="FFFF00"/>
+                </a:solidFill>
+              </a:rPr>
+              <a:t>6/28/16: ‘Clinic Questionnaire’</a:t>
+            </a:r>
+            <a:r>
+              <a:rPr lang="en-US" b="1" dirty="0" smtClean="0"/>
+              <a:t> completed</a:t>
+            </a:r>
+          </a:p>
+          <a:p>
+            <a:r>
+              <a:rPr lang="en-US" b="1" dirty="0" smtClean="0">
+                <a:solidFill>
+                  <a:srgbClr val="FFFF00"/>
+                </a:solidFill>
+              </a:rPr>
+              <a:t>7/7/16: Admin ‘</a:t>
+            </a:r>
+            <a:r>
+              <a:rPr lang="en-US" b="1" dirty="0" err="1" smtClean="0">
+                <a:solidFill>
+                  <a:srgbClr val="FFFF00"/>
+                </a:solidFill>
+              </a:rPr>
+              <a:t>Tweek</a:t>
+            </a:r>
+            <a:r>
+              <a:rPr lang="en-US" b="1" dirty="0" smtClean="0">
+                <a:solidFill>
+                  <a:srgbClr val="FFFF00"/>
+                </a:solidFill>
+              </a:rPr>
+              <a:t>’</a:t>
+            </a:r>
+            <a:r>
+              <a:rPr lang="en-US" b="1" dirty="0" smtClean="0"/>
+              <a:t> meeting </a:t>
+            </a:r>
+          </a:p>
+          <a:p>
+            <a:pPr lvl="1">
+              <a:buFont typeface="Arial" panose="020B0604020202020204" pitchFamily="34" charset="0"/>
+              <a:buChar char="•"/>
+            </a:pPr>
+            <a:r>
+              <a:rPr lang="en-US" b="1" dirty="0" smtClean="0"/>
+              <a:t>Show and revise Clinic Questionnaire</a:t>
+            </a:r>
+          </a:p>
+          <a:p>
+            <a:pPr lvl="1">
+              <a:buFont typeface="Arial" panose="020B0604020202020204" pitchFamily="34" charset="0"/>
+              <a:buChar char="•"/>
+            </a:pPr>
+            <a:r>
+              <a:rPr lang="en-US" b="1" dirty="0" smtClean="0"/>
+              <a:t>Choose dates for implementation</a:t>
+            </a:r>
+          </a:p>
+          <a:p>
+            <a:pPr lvl="2"/>
+            <a:r>
+              <a:rPr lang="en-US" b="1" dirty="0" smtClean="0"/>
+              <a:t>1</a:t>
+            </a:r>
+            <a:r>
+              <a:rPr lang="en-US" b="1" baseline="30000" dirty="0" smtClean="0"/>
+              <a:t>st</a:t>
+            </a:r>
+            <a:r>
+              <a:rPr lang="en-US" b="1" dirty="0" smtClean="0"/>
+              <a:t> week: Reason:    Date:</a:t>
+            </a:r>
+          </a:p>
+          <a:p>
+            <a:pPr lvl="2"/>
+            <a:r>
+              <a:rPr lang="en-US" b="1" dirty="0" smtClean="0"/>
+              <a:t>2</a:t>
+            </a:r>
+            <a:r>
+              <a:rPr lang="en-US" b="1" baseline="30000" dirty="0" smtClean="0"/>
+              <a:t>nd</a:t>
+            </a:r>
+            <a:r>
+              <a:rPr lang="en-US" b="1" dirty="0" smtClean="0"/>
+              <a:t> week: Reason:    Date:</a:t>
+            </a:r>
+          </a:p>
+          <a:p>
+            <a:pPr lvl="1">
+              <a:buFont typeface="Arial" panose="020B0604020202020204" pitchFamily="34" charset="0"/>
+              <a:buChar char="•"/>
+            </a:pPr>
+            <a:r>
+              <a:rPr lang="en-US" b="1" dirty="0" smtClean="0"/>
+              <a:t>Choose sites for implementation (? Yaphank, WSC)</a:t>
+            </a:r>
+          </a:p>
+          <a:p>
+            <a:pPr lvl="1">
+              <a:buFont typeface="Arial" panose="020B0604020202020204" pitchFamily="34" charset="0"/>
+              <a:buChar char="•"/>
+            </a:pPr>
+            <a:r>
+              <a:rPr lang="en-US" b="1" dirty="0" smtClean="0"/>
+              <a:t>How to get Questionnaire to staff</a:t>
+            </a:r>
+          </a:p>
+          <a:p>
+            <a:pPr lvl="2"/>
+            <a:r>
+              <a:rPr lang="en-US" b="1" dirty="0" smtClean="0"/>
+              <a:t>?Staff copy onto desktop from common server, ?? Staff give computer No to IT who place on Desktop</a:t>
+            </a:r>
+            <a:endParaRPr lang="en-US" b="1" dirty="0" smtClean="0"/>
+          </a:p>
+          <a:p>
+            <a:pPr lvl="1">
+              <a:buFont typeface="Arial" panose="020B0604020202020204" pitchFamily="34" charset="0"/>
+              <a:buChar char="•"/>
+            </a:pPr>
+            <a:r>
+              <a:rPr lang="en-US" b="1" dirty="0" smtClean="0"/>
+              <a:t>How to train staff in best way to fill out Questionnaire</a:t>
+            </a:r>
+          </a:p>
+          <a:p>
+            <a:r>
+              <a:rPr lang="en-US" b="1" dirty="0" smtClean="0">
+                <a:solidFill>
+                  <a:srgbClr val="FFFF00"/>
+                </a:solidFill>
+              </a:rPr>
+              <a:t>Pre-Pilot Questionnaire Completion </a:t>
+            </a:r>
+            <a:r>
+              <a:rPr lang="en-US" b="1" dirty="0" smtClean="0"/>
+              <a:t>in Real-Time in Pilot-Clinics, by MDs and PCs</a:t>
+            </a:r>
+          </a:p>
+          <a:p>
+            <a:pPr lvl="1">
+              <a:buFont typeface="Arial" panose="020B0604020202020204" pitchFamily="34" charset="0"/>
+              <a:buChar char="•"/>
+            </a:pPr>
+            <a:r>
+              <a:rPr lang="en-US" b="1" dirty="0" smtClean="0"/>
+              <a:t>By MDs/PCs during day in pilot clinics during two  one-week periods</a:t>
+            </a:r>
+            <a:endParaRPr lang="en-US" b="1" dirty="0" smtClean="0"/>
+          </a:p>
+          <a:p>
+            <a:r>
+              <a:rPr lang="en-US" b="1" dirty="0" smtClean="0">
+                <a:solidFill>
+                  <a:srgbClr val="FFFF00"/>
+                </a:solidFill>
+              </a:rPr>
+              <a:t>Pre-Pilot Questionnaire Analysis </a:t>
+            </a:r>
+            <a:r>
+              <a:rPr lang="en-US" b="1" dirty="0" smtClean="0"/>
+              <a:t>(Mentis)</a:t>
+            </a:r>
+          </a:p>
+          <a:p>
+            <a:r>
+              <a:rPr lang="en-US" b="1" dirty="0" smtClean="0">
+                <a:solidFill>
+                  <a:srgbClr val="FFFF00"/>
+                </a:solidFill>
+              </a:rPr>
+              <a:t>Formulation of Pilot Interventions </a:t>
+            </a:r>
+            <a:r>
+              <a:rPr lang="en-US" b="1" dirty="0" smtClean="0"/>
+              <a:t>based on results of analysis</a:t>
+            </a:r>
+            <a:r>
+              <a:rPr lang="en-US" b="1" dirty="0" smtClean="0">
+                <a:solidFill>
+                  <a:srgbClr val="FFFF00"/>
+                </a:solidFill>
+              </a:rPr>
+              <a:t> </a:t>
+            </a:r>
+            <a:r>
+              <a:rPr lang="en-US" b="1" dirty="0" smtClean="0"/>
+              <a:t>(Mentis)</a:t>
+            </a:r>
+          </a:p>
+          <a:p>
+            <a:r>
+              <a:rPr lang="en-US" b="1" dirty="0" smtClean="0">
+                <a:solidFill>
+                  <a:srgbClr val="FFFF00"/>
+                </a:solidFill>
+              </a:rPr>
+              <a:t>‘Pilot Interventions’ Meeting </a:t>
+            </a:r>
+            <a:r>
+              <a:rPr lang="en-US" b="1" dirty="0" smtClean="0"/>
+              <a:t>– finalize:</a:t>
+            </a:r>
+          </a:p>
+          <a:p>
+            <a:pPr lvl="1">
+              <a:buFont typeface="Arial" panose="020B0604020202020204" pitchFamily="34" charset="0"/>
+              <a:buChar char="•"/>
+            </a:pPr>
+            <a:r>
+              <a:rPr lang="en-US" b="1" dirty="0" smtClean="0"/>
+              <a:t>What interventions to implement</a:t>
+            </a:r>
+          </a:p>
+          <a:p>
+            <a:pPr lvl="1">
+              <a:buFont typeface="Arial" panose="020B0604020202020204" pitchFamily="34" charset="0"/>
+              <a:buChar char="•"/>
+            </a:pPr>
+            <a:r>
+              <a:rPr lang="en-US" b="1" dirty="0" smtClean="0"/>
+              <a:t>How to make implementations</a:t>
+            </a:r>
+          </a:p>
+          <a:p>
+            <a:pPr lvl="1">
+              <a:buFont typeface="Arial" panose="020B0604020202020204" pitchFamily="34" charset="0"/>
+              <a:buChar char="•"/>
+            </a:pPr>
+            <a:r>
+              <a:rPr lang="en-US" b="1" dirty="0" smtClean="0"/>
+              <a:t>How long implementation need to be in place for any benefit to be seen</a:t>
+            </a:r>
+          </a:p>
+          <a:p>
+            <a:r>
+              <a:rPr lang="en-US" b="1" dirty="0" smtClean="0">
+                <a:solidFill>
+                  <a:srgbClr val="FFFF00"/>
+                </a:solidFill>
+              </a:rPr>
+              <a:t>Post-Pilot Questionnaire Completion (after implementation ) </a:t>
+            </a:r>
+            <a:r>
+              <a:rPr lang="en-US" b="1" dirty="0" smtClean="0"/>
+              <a:t> AT ALL CLINICS not just Pilot sites</a:t>
+            </a:r>
+          </a:p>
+          <a:p>
+            <a:r>
+              <a:rPr lang="en-US" b="1" dirty="0" smtClean="0">
+                <a:solidFill>
+                  <a:srgbClr val="FFFF00"/>
+                </a:solidFill>
+              </a:rPr>
+              <a:t>Analyze Pre- and Post-Pilot Questionnaires’  </a:t>
+            </a:r>
+            <a:r>
+              <a:rPr lang="en-US" b="1" dirty="0" smtClean="0"/>
+              <a:t>(Mentis)</a:t>
+            </a:r>
+          </a:p>
+          <a:p>
+            <a:r>
+              <a:rPr lang="en-US" b="1" dirty="0" smtClean="0">
+                <a:solidFill>
+                  <a:srgbClr val="FFFF00"/>
+                </a:solidFill>
+              </a:rPr>
+              <a:t>Pilot Results Meeting</a:t>
+            </a:r>
+          </a:p>
+          <a:p>
+            <a:pPr lvl="1">
+              <a:buFont typeface="Arial" panose="020B0604020202020204" pitchFamily="34" charset="0"/>
+              <a:buChar char="•"/>
+            </a:pPr>
+            <a:r>
+              <a:rPr lang="en-US" b="1" dirty="0" smtClean="0"/>
+              <a:t>Present Results of Pilot Interventions</a:t>
+            </a:r>
+          </a:p>
+          <a:p>
+            <a:pPr lvl="1">
+              <a:buFont typeface="Arial" panose="020B0604020202020204" pitchFamily="34" charset="0"/>
+              <a:buChar char="•"/>
+            </a:pPr>
+            <a:r>
+              <a:rPr lang="en-US" b="1" dirty="0" smtClean="0"/>
+              <a:t>If Statistically Significant Improvement found:</a:t>
+            </a:r>
+          </a:p>
+          <a:p>
+            <a:pPr lvl="2"/>
+            <a:r>
+              <a:rPr lang="en-US" b="1" dirty="0" smtClean="0"/>
+              <a:t>How to present this information To Albany to get whatever is necessary to</a:t>
+            </a:r>
+          </a:p>
+          <a:p>
+            <a:pPr lvl="2"/>
+            <a:r>
+              <a:rPr lang="en-US" b="1" smtClean="0"/>
+              <a:t>IMPROVE </a:t>
+            </a:r>
+            <a:r>
+              <a:rPr lang="en-US" b="1" dirty="0" smtClean="0"/>
+              <a:t>PATIENT FLOW/CARE  IN CLINICS</a:t>
+            </a:r>
+          </a:p>
+          <a:p>
+            <a:pPr lvl="1">
+              <a:buFont typeface="Arial" panose="020B0604020202020204" pitchFamily="34" charset="0"/>
+              <a:buChar char="•"/>
+            </a:pPr>
+            <a:endParaRPr lang="en-US" b="1" dirty="0" smtClean="0"/>
+          </a:p>
+          <a:p>
+            <a:endParaRPr lang="en-US" b="1" dirty="0" smtClean="0"/>
+          </a:p>
+          <a:p>
+            <a:pPr lvl="2"/>
+            <a:endParaRPr lang="en-US" b="1" dirty="0" smtClean="0"/>
+          </a:p>
+          <a:p>
+            <a:pPr lvl="1"/>
+            <a:endParaRPr lang="en-US" b="1" dirty="0" smtClean="0"/>
+          </a:p>
+          <a:p>
+            <a:pPr marL="1828800" lvl="4" indent="0">
+              <a:buNone/>
+            </a:pPr>
+            <a:endParaRPr lang="en-US" b="1" dirty="0"/>
+          </a:p>
+          <a:p>
+            <a:pPr lvl="3"/>
+            <a:endParaRPr lang="en-US" b="1" dirty="0" smtClean="0"/>
+          </a:p>
+        </p:txBody>
+      </p:sp>
+    </p:spTree>
+    <p:extLst>
+      <p:ext uri="{BB962C8B-B14F-4D97-AF65-F5344CB8AC3E}">
+        <p14:creationId xmlns:p14="http://schemas.microsoft.com/office/powerpoint/2010/main" val="4097638722"/>
       </p:ext>
     </p:extLst>
   </p:cSld>
@@ -3913,6 +6698,839 @@
                       </p:childTnLst>
                     </p:cTn>
                   </p:par>
+                  <p:par>
+                    <p:cTn id="47" fill="hold">
+                      <p:stCondLst>
+                        <p:cond delay="indefinite"/>
+                      </p:stCondLst>
+                      <p:childTnLst>
+                        <p:par>
+                          <p:cTn id="48" fill="hold">
+                            <p:stCondLst>
+                              <p:cond delay="0"/>
+                            </p:stCondLst>
+                            <p:childTnLst>
+                              <p:par>
+                                <p:cTn id="49" presetID="1" presetClass="entr" presetSubtype="0" fill="hold" nodeType="clickEffect">
+                                  <p:stCondLst>
+                                    <p:cond delay="0"/>
+                                  </p:stCondLst>
+                                  <p:childTnLst>
+                                    <p:set>
+                                      <p:cBhvr>
+                                        <p:cTn id="50" dur="1" fill="hold">
+                                          <p:stCondLst>
+                                            <p:cond delay="0"/>
+                                          </p:stCondLst>
+                                        </p:cTn>
+                                        <p:tgtEl>
+                                          <p:spTgt spid="3">
+                                            <p:txEl>
+                                              <p:pRg st="11" end="11"/>
+                                            </p:txEl>
+                                          </p:spTgt>
+                                        </p:tgtEl>
+                                        <p:attrNameLst>
+                                          <p:attrName>style.visibility</p:attrName>
+                                        </p:attrNameLst>
+                                      </p:cBhvr>
+                                      <p:to>
+                                        <p:strVal val="visible"/>
+                                      </p:to>
+                                    </p:set>
+                                  </p:childTnLst>
+                                </p:cTn>
+                              </p:par>
+                            </p:childTnLst>
+                          </p:cTn>
+                        </p:par>
+                      </p:childTnLst>
+                    </p:cTn>
+                  </p:par>
+                  <p:par>
+                    <p:cTn id="51" fill="hold">
+                      <p:stCondLst>
+                        <p:cond delay="indefinite"/>
+                      </p:stCondLst>
+                      <p:childTnLst>
+                        <p:par>
+                          <p:cTn id="52" fill="hold">
+                            <p:stCondLst>
+                              <p:cond delay="0"/>
+                            </p:stCondLst>
+                            <p:childTnLst>
+                              <p:par>
+                                <p:cTn id="53" presetID="1" presetClass="entr" presetSubtype="0" fill="hold" nodeType="clickEffect">
+                                  <p:stCondLst>
+                                    <p:cond delay="0"/>
+                                  </p:stCondLst>
+                                  <p:childTnLst>
+                                    <p:set>
+                                      <p:cBhvr>
+                                        <p:cTn id="54" dur="1" fill="hold">
+                                          <p:stCondLst>
+                                            <p:cond delay="0"/>
+                                          </p:stCondLst>
+                                        </p:cTn>
+                                        <p:tgtEl>
+                                          <p:spTgt spid="3">
+                                            <p:txEl>
+                                              <p:pRg st="12" end="12"/>
+                                            </p:txEl>
+                                          </p:spTgt>
+                                        </p:tgtEl>
+                                        <p:attrNameLst>
+                                          <p:attrName>style.visibility</p:attrName>
+                                        </p:attrNameLst>
+                                      </p:cBhvr>
+                                      <p:to>
+                                        <p:strVal val="visible"/>
+                                      </p:to>
+                                    </p:set>
+                                  </p:childTnLst>
+                                </p:cTn>
+                              </p:par>
+                            </p:childTnLst>
+                          </p:cTn>
+                        </p:par>
+                      </p:childTnLst>
+                    </p:cTn>
+                  </p:par>
+                  <p:par>
+                    <p:cTn id="55" fill="hold">
+                      <p:stCondLst>
+                        <p:cond delay="indefinite"/>
+                      </p:stCondLst>
+                      <p:childTnLst>
+                        <p:par>
+                          <p:cTn id="56" fill="hold">
+                            <p:stCondLst>
+                              <p:cond delay="0"/>
+                            </p:stCondLst>
+                            <p:childTnLst>
+                              <p:par>
+                                <p:cTn id="57" presetID="1" presetClass="entr" presetSubtype="0" fill="hold" nodeType="clickEffect">
+                                  <p:stCondLst>
+                                    <p:cond delay="0"/>
+                                  </p:stCondLst>
+                                  <p:childTnLst>
+                                    <p:set>
+                                      <p:cBhvr>
+                                        <p:cTn id="58" dur="1" fill="hold">
+                                          <p:stCondLst>
+                                            <p:cond delay="0"/>
+                                          </p:stCondLst>
+                                        </p:cTn>
+                                        <p:tgtEl>
+                                          <p:spTgt spid="3">
+                                            <p:txEl>
+                                              <p:pRg st="13" end="13"/>
+                                            </p:txEl>
+                                          </p:spTgt>
+                                        </p:tgtEl>
+                                        <p:attrNameLst>
+                                          <p:attrName>style.visibility</p:attrName>
+                                        </p:attrNameLst>
+                                      </p:cBhvr>
+                                      <p:to>
+                                        <p:strVal val="visible"/>
+                                      </p:to>
+                                    </p:set>
+                                  </p:childTnLst>
+                                </p:cTn>
+                              </p:par>
+                            </p:childTnLst>
+                          </p:cTn>
+                        </p:par>
+                      </p:childTnLst>
+                    </p:cTn>
+                  </p:par>
+                  <p:par>
+                    <p:cTn id="59" fill="hold">
+                      <p:stCondLst>
+                        <p:cond delay="indefinite"/>
+                      </p:stCondLst>
+                      <p:childTnLst>
+                        <p:par>
+                          <p:cTn id="60" fill="hold">
+                            <p:stCondLst>
+                              <p:cond delay="0"/>
+                            </p:stCondLst>
+                            <p:childTnLst>
+                              <p:par>
+                                <p:cTn id="61" presetID="1" presetClass="entr" presetSubtype="0" fill="hold" nodeType="clickEffect">
+                                  <p:stCondLst>
+                                    <p:cond delay="0"/>
+                                  </p:stCondLst>
+                                  <p:childTnLst>
+                                    <p:set>
+                                      <p:cBhvr>
+                                        <p:cTn id="62" dur="1" fill="hold">
+                                          <p:stCondLst>
+                                            <p:cond delay="0"/>
+                                          </p:stCondLst>
+                                        </p:cTn>
+                                        <p:tgtEl>
+                                          <p:spTgt spid="3">
+                                            <p:txEl>
+                                              <p:pRg st="14" end="14"/>
+                                            </p:txEl>
+                                          </p:spTgt>
+                                        </p:tgtEl>
+                                        <p:attrNameLst>
+                                          <p:attrName>style.visibility</p:attrName>
+                                        </p:attrNameLst>
+                                      </p:cBhvr>
+                                      <p:to>
+                                        <p:strVal val="visible"/>
+                                      </p:to>
+                                    </p:set>
+                                  </p:childTnLst>
+                                </p:cTn>
+                              </p:par>
+                            </p:childTnLst>
+                          </p:cTn>
+                        </p:par>
+                      </p:childTnLst>
+                    </p:cTn>
+                  </p:par>
+                  <p:par>
+                    <p:cTn id="63" fill="hold">
+                      <p:stCondLst>
+                        <p:cond delay="indefinite"/>
+                      </p:stCondLst>
+                      <p:childTnLst>
+                        <p:par>
+                          <p:cTn id="64" fill="hold">
+                            <p:stCondLst>
+                              <p:cond delay="0"/>
+                            </p:stCondLst>
+                            <p:childTnLst>
+                              <p:par>
+                                <p:cTn id="65" presetID="1" presetClass="entr" presetSubtype="0" fill="hold" nodeType="clickEffect">
+                                  <p:stCondLst>
+                                    <p:cond delay="0"/>
+                                  </p:stCondLst>
+                                  <p:childTnLst>
+                                    <p:set>
+                                      <p:cBhvr>
+                                        <p:cTn id="66" dur="1" fill="hold">
+                                          <p:stCondLst>
+                                            <p:cond delay="0"/>
+                                          </p:stCondLst>
+                                        </p:cTn>
+                                        <p:tgtEl>
+                                          <p:spTgt spid="3">
+                                            <p:txEl>
+                                              <p:pRg st="15" end="15"/>
+                                            </p:txEl>
+                                          </p:spTgt>
+                                        </p:tgtEl>
+                                        <p:attrNameLst>
+                                          <p:attrName>style.visibility</p:attrName>
+                                        </p:attrNameLst>
+                                      </p:cBhvr>
+                                      <p:to>
+                                        <p:strVal val="visible"/>
+                                      </p:to>
+                                    </p:set>
+                                  </p:childTnLst>
+                                </p:cTn>
+                              </p:par>
+                            </p:childTnLst>
+                          </p:cTn>
+                        </p:par>
+                      </p:childTnLst>
+                    </p:cTn>
+                  </p:par>
+                  <p:par>
+                    <p:cTn id="67" fill="hold">
+                      <p:stCondLst>
+                        <p:cond delay="indefinite"/>
+                      </p:stCondLst>
+                      <p:childTnLst>
+                        <p:par>
+                          <p:cTn id="68" fill="hold">
+                            <p:stCondLst>
+                              <p:cond delay="0"/>
+                            </p:stCondLst>
+                            <p:childTnLst>
+                              <p:par>
+                                <p:cTn id="69" presetID="1" presetClass="entr" presetSubtype="0" fill="hold" nodeType="clickEffect">
+                                  <p:stCondLst>
+                                    <p:cond delay="0"/>
+                                  </p:stCondLst>
+                                  <p:childTnLst>
+                                    <p:set>
+                                      <p:cBhvr>
+                                        <p:cTn id="70" dur="1" fill="hold">
+                                          <p:stCondLst>
+                                            <p:cond delay="0"/>
+                                          </p:stCondLst>
+                                        </p:cTn>
+                                        <p:tgtEl>
+                                          <p:spTgt spid="3">
+                                            <p:txEl>
+                                              <p:pRg st="16" end="16"/>
+                                            </p:txEl>
+                                          </p:spTgt>
+                                        </p:tgtEl>
+                                        <p:attrNameLst>
+                                          <p:attrName>style.visibility</p:attrName>
+                                        </p:attrNameLst>
+                                      </p:cBhvr>
+                                      <p:to>
+                                        <p:strVal val="visible"/>
+                                      </p:to>
+                                    </p:set>
+                                  </p:childTnLst>
+                                </p:cTn>
+                              </p:par>
+                            </p:childTnLst>
+                          </p:cTn>
+                        </p:par>
+                      </p:childTnLst>
+                    </p:cTn>
+                  </p:par>
+                  <p:par>
+                    <p:cTn id="71" fill="hold">
+                      <p:stCondLst>
+                        <p:cond delay="indefinite"/>
+                      </p:stCondLst>
+                      <p:childTnLst>
+                        <p:par>
+                          <p:cTn id="72" fill="hold">
+                            <p:stCondLst>
+                              <p:cond delay="0"/>
+                            </p:stCondLst>
+                            <p:childTnLst>
+                              <p:par>
+                                <p:cTn id="73" presetID="1" presetClass="entr" presetSubtype="0" fill="hold" nodeType="clickEffect">
+                                  <p:stCondLst>
+                                    <p:cond delay="0"/>
+                                  </p:stCondLst>
+                                  <p:childTnLst>
+                                    <p:set>
+                                      <p:cBhvr>
+                                        <p:cTn id="74" dur="1" fill="hold">
+                                          <p:stCondLst>
+                                            <p:cond delay="0"/>
+                                          </p:stCondLst>
+                                        </p:cTn>
+                                        <p:tgtEl>
+                                          <p:spTgt spid="3">
+                                            <p:txEl>
+                                              <p:pRg st="17" end="17"/>
+                                            </p:txEl>
+                                          </p:spTgt>
+                                        </p:tgtEl>
+                                        <p:attrNameLst>
+                                          <p:attrName>style.visibility</p:attrName>
+                                        </p:attrNameLst>
+                                      </p:cBhvr>
+                                      <p:to>
+                                        <p:strVal val="visible"/>
+                                      </p:to>
+                                    </p:set>
+                                  </p:childTnLst>
+                                </p:cTn>
+                              </p:par>
+                            </p:childTnLst>
+                          </p:cTn>
+                        </p:par>
+                      </p:childTnLst>
+                    </p:cTn>
+                  </p:par>
+                  <p:par>
+                    <p:cTn id="75" fill="hold">
+                      <p:stCondLst>
+                        <p:cond delay="indefinite"/>
+                      </p:stCondLst>
+                      <p:childTnLst>
+                        <p:par>
+                          <p:cTn id="76" fill="hold">
+                            <p:stCondLst>
+                              <p:cond delay="0"/>
+                            </p:stCondLst>
+                            <p:childTnLst>
+                              <p:par>
+                                <p:cTn id="77" presetID="1" presetClass="entr" presetSubtype="0" fill="hold" nodeType="clickEffect">
+                                  <p:stCondLst>
+                                    <p:cond delay="0"/>
+                                  </p:stCondLst>
+                                  <p:childTnLst>
+                                    <p:set>
+                                      <p:cBhvr>
+                                        <p:cTn id="78" dur="1" fill="hold">
+                                          <p:stCondLst>
+                                            <p:cond delay="0"/>
+                                          </p:stCondLst>
+                                        </p:cTn>
+                                        <p:tgtEl>
+                                          <p:spTgt spid="3">
+                                            <p:txEl>
+                                              <p:pRg st="18" end="18"/>
+                                            </p:txEl>
+                                          </p:spTgt>
+                                        </p:tgtEl>
+                                        <p:attrNameLst>
+                                          <p:attrName>style.visibility</p:attrName>
+                                        </p:attrNameLst>
+                                      </p:cBhvr>
+                                      <p:to>
+                                        <p:strVal val="visible"/>
+                                      </p:to>
+                                    </p:set>
+                                  </p:childTnLst>
+                                </p:cTn>
+                              </p:par>
+                            </p:childTnLst>
+                          </p:cTn>
+                        </p:par>
+                      </p:childTnLst>
+                    </p:cTn>
+                  </p:par>
+                  <p:par>
+                    <p:cTn id="79" fill="hold">
+                      <p:stCondLst>
+                        <p:cond delay="indefinite"/>
+                      </p:stCondLst>
+                      <p:childTnLst>
+                        <p:par>
+                          <p:cTn id="80" fill="hold">
+                            <p:stCondLst>
+                              <p:cond delay="0"/>
+                            </p:stCondLst>
+                            <p:childTnLst>
+                              <p:par>
+                                <p:cTn id="81" presetID="1" presetClass="entr" presetSubtype="0" fill="hold" nodeType="clickEffect">
+                                  <p:stCondLst>
+                                    <p:cond delay="0"/>
+                                  </p:stCondLst>
+                                  <p:childTnLst>
+                                    <p:set>
+                                      <p:cBhvr>
+                                        <p:cTn id="82" dur="1" fill="hold">
+                                          <p:stCondLst>
+                                            <p:cond delay="0"/>
+                                          </p:stCondLst>
+                                        </p:cTn>
+                                        <p:tgtEl>
+                                          <p:spTgt spid="3">
+                                            <p:txEl>
+                                              <p:pRg st="19" end="19"/>
+                                            </p:txEl>
+                                          </p:spTgt>
+                                        </p:tgtEl>
+                                        <p:attrNameLst>
+                                          <p:attrName>style.visibility</p:attrName>
+                                        </p:attrNameLst>
+                                      </p:cBhvr>
+                                      <p:to>
+                                        <p:strVal val="visible"/>
+                                      </p:to>
+                                    </p:set>
+                                  </p:childTnLst>
+                                </p:cTn>
+                              </p:par>
+                            </p:childTnLst>
+                          </p:cTn>
+                        </p:par>
+                      </p:childTnLst>
+                    </p:cTn>
+                  </p:par>
+                  <p:par>
+                    <p:cTn id="83" fill="hold">
+                      <p:stCondLst>
+                        <p:cond delay="indefinite"/>
+                      </p:stCondLst>
+                      <p:childTnLst>
+                        <p:par>
+                          <p:cTn id="84" fill="hold">
+                            <p:stCondLst>
+                              <p:cond delay="0"/>
+                            </p:stCondLst>
+                            <p:childTnLst>
+                              <p:par>
+                                <p:cTn id="85" presetID="1" presetClass="entr" presetSubtype="0" fill="hold" nodeType="clickEffect">
+                                  <p:stCondLst>
+                                    <p:cond delay="0"/>
+                                  </p:stCondLst>
+                                  <p:childTnLst>
+                                    <p:set>
+                                      <p:cBhvr>
+                                        <p:cTn id="86" dur="1" fill="hold">
+                                          <p:stCondLst>
+                                            <p:cond delay="0"/>
+                                          </p:stCondLst>
+                                        </p:cTn>
+                                        <p:tgtEl>
+                                          <p:spTgt spid="3">
+                                            <p:txEl>
+                                              <p:pRg st="20" end="20"/>
+                                            </p:txEl>
+                                          </p:spTgt>
+                                        </p:tgtEl>
+                                        <p:attrNameLst>
+                                          <p:attrName>style.visibility</p:attrName>
+                                        </p:attrNameLst>
+                                      </p:cBhvr>
+                                      <p:to>
+                                        <p:strVal val="visible"/>
+                                      </p:to>
+                                    </p:set>
+                                  </p:childTnLst>
+                                </p:cTn>
+                              </p:par>
+                            </p:childTnLst>
+                          </p:cTn>
+                        </p:par>
+                      </p:childTnLst>
+                    </p:cTn>
+                  </p:par>
+                  <p:par>
+                    <p:cTn id="87" fill="hold">
+                      <p:stCondLst>
+                        <p:cond delay="indefinite"/>
+                      </p:stCondLst>
+                      <p:childTnLst>
+                        <p:par>
+                          <p:cTn id="88" fill="hold">
+                            <p:stCondLst>
+                              <p:cond delay="0"/>
+                            </p:stCondLst>
+                            <p:childTnLst>
+                              <p:par>
+                                <p:cTn id="89" presetID="1" presetClass="entr" presetSubtype="0" fill="hold" nodeType="clickEffect">
+                                  <p:stCondLst>
+                                    <p:cond delay="0"/>
+                                  </p:stCondLst>
+                                  <p:childTnLst>
+                                    <p:set>
+                                      <p:cBhvr>
+                                        <p:cTn id="90" dur="1" fill="hold">
+                                          <p:stCondLst>
+                                            <p:cond delay="0"/>
+                                          </p:stCondLst>
+                                        </p:cTn>
+                                        <p:tgtEl>
+                                          <p:spTgt spid="3">
+                                            <p:txEl>
+                                              <p:pRg st="21" end="21"/>
+                                            </p:txEl>
+                                          </p:spTgt>
+                                        </p:tgtEl>
+                                        <p:attrNameLst>
+                                          <p:attrName>style.visibility</p:attrName>
+                                        </p:attrNameLst>
+                                      </p:cBhvr>
+                                      <p:to>
+                                        <p:strVal val="visible"/>
+                                      </p:to>
+                                    </p:set>
+                                  </p:childTnLst>
+                                </p:cTn>
+                              </p:par>
+                            </p:childTnLst>
+                          </p:cTn>
+                        </p:par>
+                      </p:childTnLst>
+                    </p:cTn>
+                  </p:par>
+                  <p:par>
+                    <p:cTn id="91" fill="hold">
+                      <p:stCondLst>
+                        <p:cond delay="indefinite"/>
+                      </p:stCondLst>
+                      <p:childTnLst>
+                        <p:par>
+                          <p:cTn id="92" fill="hold">
+                            <p:stCondLst>
+                              <p:cond delay="0"/>
+                            </p:stCondLst>
+                            <p:childTnLst>
+                              <p:par>
+                                <p:cTn id="93" presetID="1" presetClass="entr" presetSubtype="0" fill="hold" nodeType="clickEffect">
+                                  <p:stCondLst>
+                                    <p:cond delay="0"/>
+                                  </p:stCondLst>
+                                  <p:childTnLst>
+                                    <p:set>
+                                      <p:cBhvr>
+                                        <p:cTn id="94" dur="1" fill="hold">
+                                          <p:stCondLst>
+                                            <p:cond delay="0"/>
+                                          </p:stCondLst>
+                                        </p:cTn>
+                                        <p:tgtEl>
+                                          <p:spTgt spid="3">
+                                            <p:txEl>
+                                              <p:pRg st="22" end="22"/>
+                                            </p:txEl>
+                                          </p:spTgt>
+                                        </p:tgtEl>
+                                        <p:attrNameLst>
+                                          <p:attrName>style.visibility</p:attrName>
+                                        </p:attrNameLst>
+                                      </p:cBhvr>
+                                      <p:to>
+                                        <p:strVal val="visible"/>
+                                      </p:to>
+                                    </p:set>
+                                  </p:childTnLst>
+                                </p:cTn>
+                              </p:par>
+                            </p:childTnLst>
+                          </p:cTn>
+                        </p:par>
+                      </p:childTnLst>
+                    </p:cTn>
+                  </p:par>
+                  <p:par>
+                    <p:cTn id="95" fill="hold">
+                      <p:stCondLst>
+                        <p:cond delay="indefinite"/>
+                      </p:stCondLst>
+                      <p:childTnLst>
+                        <p:par>
+                          <p:cTn id="96" fill="hold">
+                            <p:stCondLst>
+                              <p:cond delay="0"/>
+                            </p:stCondLst>
+                            <p:childTnLst>
+                              <p:par>
+                                <p:cTn id="97" presetID="1" presetClass="entr" presetSubtype="0" fill="hold" nodeType="clickEffect">
+                                  <p:stCondLst>
+                                    <p:cond delay="0"/>
+                                  </p:stCondLst>
+                                  <p:childTnLst>
+                                    <p:set>
+                                      <p:cBhvr>
+                                        <p:cTn id="98" dur="1" fill="hold">
+                                          <p:stCondLst>
+                                            <p:cond delay="0"/>
+                                          </p:stCondLst>
+                                        </p:cTn>
+                                        <p:tgtEl>
+                                          <p:spTgt spid="3">
+                                            <p:txEl>
+                                              <p:pRg st="23" end="23"/>
+                                            </p:txEl>
+                                          </p:spTgt>
+                                        </p:tgtEl>
+                                        <p:attrNameLst>
+                                          <p:attrName>style.visibility</p:attrName>
+                                        </p:attrNameLst>
+                                      </p:cBhvr>
+                                      <p:to>
+                                        <p:strVal val="visible"/>
+                                      </p:to>
+                                    </p:set>
+                                  </p:childTnLst>
+                                </p:cTn>
+                              </p:par>
+                            </p:childTnLst>
+                          </p:cTn>
+                        </p:par>
+                      </p:childTnLst>
+                    </p:cTn>
+                  </p:par>
+                  <p:par>
+                    <p:cTn id="99" fill="hold">
+                      <p:stCondLst>
+                        <p:cond delay="indefinite"/>
+                      </p:stCondLst>
+                      <p:childTnLst>
+                        <p:par>
+                          <p:cTn id="100" fill="hold">
+                            <p:stCondLst>
+                              <p:cond delay="0"/>
+                            </p:stCondLst>
+                            <p:childTnLst>
+                              <p:par>
+                                <p:cTn id="101" presetID="1" presetClass="entr" presetSubtype="0" fill="hold" nodeType="clickEffect">
+                                  <p:stCondLst>
+                                    <p:cond delay="0"/>
+                                  </p:stCondLst>
+                                  <p:childTnLst>
+                                    <p:set>
+                                      <p:cBhvr>
+                                        <p:cTn id="102" dur="1" fill="hold">
+                                          <p:stCondLst>
+                                            <p:cond delay="0"/>
+                                          </p:stCondLst>
+                                        </p:cTn>
+                                        <p:tgtEl>
+                                          <p:spTgt spid="3">
+                                            <p:txEl>
+                                              <p:pRg st="24" end="24"/>
+                                            </p:txEl>
+                                          </p:spTgt>
+                                        </p:tgtEl>
+                                        <p:attrNameLst>
+                                          <p:attrName>style.visibility</p:attrName>
+                                        </p:attrNameLst>
+                                      </p:cBhvr>
+                                      <p:to>
+                                        <p:strVal val="visible"/>
+                                      </p:to>
+                                    </p:set>
+                                  </p:childTnLst>
+                                </p:cTn>
+                              </p:par>
+                            </p:childTnLst>
+                          </p:cTn>
+                        </p:par>
+                      </p:childTnLst>
+                    </p:cTn>
+                  </p:par>
+                  <p:par>
+                    <p:cTn id="103" fill="hold">
+                      <p:stCondLst>
+                        <p:cond delay="indefinite"/>
+                      </p:stCondLst>
+                      <p:childTnLst>
+                        <p:par>
+                          <p:cTn id="104" fill="hold">
+                            <p:stCondLst>
+                              <p:cond delay="0"/>
+                            </p:stCondLst>
+                            <p:childTnLst>
+                              <p:par>
+                                <p:cTn id="105" presetID="1" presetClass="entr" presetSubtype="0" fill="hold" nodeType="clickEffect">
+                                  <p:stCondLst>
+                                    <p:cond delay="0"/>
+                                  </p:stCondLst>
+                                  <p:childTnLst>
+                                    <p:set>
+                                      <p:cBhvr>
+                                        <p:cTn id="106" dur="1" fill="hold">
+                                          <p:stCondLst>
+                                            <p:cond delay="0"/>
+                                          </p:stCondLst>
+                                        </p:cTn>
+                                        <p:tgtEl>
+                                          <p:spTgt spid="3">
+                                            <p:txEl>
+                                              <p:pRg st="25" end="25"/>
+                                            </p:txEl>
+                                          </p:spTgt>
+                                        </p:tgtEl>
+                                        <p:attrNameLst>
+                                          <p:attrName>style.visibility</p:attrName>
+                                        </p:attrNameLst>
+                                      </p:cBhvr>
+                                      <p:to>
+                                        <p:strVal val="visible"/>
+                                      </p:to>
+                                    </p:set>
+                                  </p:childTnLst>
+                                </p:cTn>
+                              </p:par>
+                            </p:childTnLst>
+                          </p:cTn>
+                        </p:par>
+                      </p:childTnLst>
+                    </p:cTn>
+                  </p:par>
+                  <p:par>
+                    <p:cTn id="107" fill="hold">
+                      <p:stCondLst>
+                        <p:cond delay="indefinite"/>
+                      </p:stCondLst>
+                      <p:childTnLst>
+                        <p:par>
+                          <p:cTn id="108" fill="hold">
+                            <p:stCondLst>
+                              <p:cond delay="0"/>
+                            </p:stCondLst>
+                            <p:childTnLst>
+                              <p:par>
+                                <p:cTn id="109" presetID="1" presetClass="entr" presetSubtype="0" fill="hold" nodeType="clickEffect">
+                                  <p:stCondLst>
+                                    <p:cond delay="0"/>
+                                  </p:stCondLst>
+                                  <p:childTnLst>
+                                    <p:set>
+                                      <p:cBhvr>
+                                        <p:cTn id="110" dur="1" fill="hold">
+                                          <p:stCondLst>
+                                            <p:cond delay="0"/>
+                                          </p:stCondLst>
+                                        </p:cTn>
+                                        <p:tgtEl>
+                                          <p:spTgt spid="3">
+                                            <p:txEl>
+                                              <p:pRg st="26" end="26"/>
+                                            </p:txEl>
+                                          </p:spTgt>
+                                        </p:tgtEl>
+                                        <p:attrNameLst>
+                                          <p:attrName>style.visibility</p:attrName>
+                                        </p:attrNameLst>
+                                      </p:cBhvr>
+                                      <p:to>
+                                        <p:strVal val="visible"/>
+                                      </p:to>
+                                    </p:set>
+                                  </p:childTnLst>
+                                </p:cTn>
+                              </p:par>
+                            </p:childTnLst>
+                          </p:cTn>
+                        </p:par>
+                      </p:childTnLst>
+                    </p:cTn>
+                  </p:par>
+                  <p:par>
+                    <p:cTn id="111" fill="hold">
+                      <p:stCondLst>
+                        <p:cond delay="indefinite"/>
+                      </p:stCondLst>
+                      <p:childTnLst>
+                        <p:par>
+                          <p:cTn id="112" fill="hold">
+                            <p:stCondLst>
+                              <p:cond delay="0"/>
+                            </p:stCondLst>
+                            <p:childTnLst>
+                              <p:par>
+                                <p:cTn id="113" presetID="1" presetClass="entr" presetSubtype="0" fill="hold" nodeType="clickEffect">
+                                  <p:stCondLst>
+                                    <p:cond delay="0"/>
+                                  </p:stCondLst>
+                                  <p:childTnLst>
+                                    <p:set>
+                                      <p:cBhvr>
+                                        <p:cTn id="114" dur="1" fill="hold">
+                                          <p:stCondLst>
+                                            <p:cond delay="0"/>
+                                          </p:stCondLst>
+                                        </p:cTn>
+                                        <p:tgtEl>
+                                          <p:spTgt spid="3">
+                                            <p:txEl>
+                                              <p:pRg st="27" end="27"/>
+                                            </p:txEl>
+                                          </p:spTgt>
+                                        </p:tgtEl>
+                                        <p:attrNameLst>
+                                          <p:attrName>style.visibility</p:attrName>
+                                        </p:attrNameLst>
+                                      </p:cBhvr>
+                                      <p:to>
+                                        <p:strVal val="visible"/>
+                                      </p:to>
+                                    </p:set>
+                                  </p:childTnLst>
+                                </p:cTn>
+                              </p:par>
+                            </p:childTnLst>
+                          </p:cTn>
+                        </p:par>
+                      </p:childTnLst>
+                    </p:cTn>
+                  </p:par>
                 </p:childTnLst>
               </p:cTn>
               <p:prevCondLst>
@@ -3935,288 +7553,6 @@
       </p:par>
     </p:tnLst>
   </p:timing>
-</p:sld>
-</file>
-
-<file path=ppt/slides/slide2.xml><?xml version="1.0" encoding="utf-8"?>
-<p:sld xmlns:a="http://schemas.openxmlformats.org/drawingml/2006/main" xmlns:r="http://schemas.openxmlformats.org/officeDocument/2006/relationships" xmlns:p="http://schemas.openxmlformats.org/presentationml/2006/main">
-  <p:cSld>
-    <p:spTree>
-      <p:nvGrpSpPr>
-        <p:cNvPr id="1" name=""/>
-        <p:cNvGrpSpPr/>
-        <p:nvPr/>
-      </p:nvGrpSpPr>
-      <p:grpSpPr>
-        <a:xfrm>
-          <a:off x="0" y="0"/>
-          <a:ext cx="0" cy="0"/>
-          <a:chOff x="0" y="0"/>
-          <a:chExt cx="0" cy="0"/>
-        </a:xfrm>
-      </p:grpSpPr>
-      <p:pic>
-        <p:nvPicPr>
-          <p:cNvPr id="1026" name="Picture 2"/>
-          <p:cNvPicPr>
-            <a:picLocks noChangeAspect="1" noChangeArrowheads="1"/>
-          </p:cNvPicPr>
-          <p:nvPr/>
-        </p:nvPicPr>
-        <p:blipFill>
-          <a:blip r:embed="rId2">
-            <a:extLst>
-              <a:ext uri="{28A0092B-C50C-407E-A947-70E740481C1C}">
-                <a14:useLocalDpi xmlns:a14="http://schemas.microsoft.com/office/drawing/2010/main" val="0"/>
-              </a:ext>
-            </a:extLst>
-          </a:blip>
-          <a:srcRect/>
-          <a:stretch>
-            <a:fillRect/>
-          </a:stretch>
-        </p:blipFill>
-        <p:spPr bwMode="auto">
-          <a:xfrm>
-            <a:off x="76200" y="76200"/>
-            <a:ext cx="5828495" cy="6705600"/>
-          </a:xfrm>
-          <a:prstGeom prst="rect">
-            <a:avLst/>
-          </a:prstGeom>
-          <a:noFill/>
-          <a:ln>
-            <a:noFill/>
-          </a:ln>
-          <a:effectLst/>
-          <a:extLst>
-            <a:ext uri="{909E8E84-426E-40DD-AFC4-6F175D3DCCD1}">
-              <a14:hiddenFill xmlns:a14="http://schemas.microsoft.com/office/drawing/2010/main">
-                <a:solidFill>
-                  <a:schemeClr val="accent1"/>
-                </a:solidFill>
-              </a14:hiddenFill>
-            </a:ext>
-            <a:ext uri="{91240B29-F687-4F45-9708-019B960494DF}">
-              <a14:hiddenLine xmlns:a14="http://schemas.microsoft.com/office/drawing/2010/main" w="9525">
-                <a:solidFill>
-                  <a:schemeClr val="tx1"/>
-                </a:solidFill>
-                <a:miter lim="800000"/>
-                <a:headEnd/>
-                <a:tailEnd/>
-              </a14:hiddenLine>
-            </a:ext>
-            <a:ext uri="{AF507438-7753-43E0-B8FC-AC1667EBCBE1}">
-              <a14:hiddenEffects xmlns:a14="http://schemas.microsoft.com/office/drawing/2010/main">
-                <a:effectLst>
-                  <a:outerShdw dist="35921" dir="2700000" algn="ctr" rotWithShape="0">
-                    <a:schemeClr val="bg2"/>
-                  </a:outerShdw>
-                </a:effectLst>
-              </a14:hiddenEffects>
-            </a:ext>
-          </a:extLst>
-        </p:spPr>
-      </p:pic>
-    </p:spTree>
-    <p:extLst>
-      <p:ext uri="{BB962C8B-B14F-4D97-AF65-F5344CB8AC3E}">
-        <p14:creationId xmlns:p14="http://schemas.microsoft.com/office/powerpoint/2010/main" val="2764959206"/>
-      </p:ext>
-    </p:extLst>
-  </p:cSld>
-  <p:clrMapOvr>
-    <a:masterClrMapping/>
-  </p:clrMapOvr>
-</p:sld>
-</file>
-
-<file path=ppt/slides/slide3.xml><?xml version="1.0" encoding="utf-8"?>
-<p:sld xmlns:a="http://schemas.openxmlformats.org/drawingml/2006/main" xmlns:r="http://schemas.openxmlformats.org/officeDocument/2006/relationships" xmlns:p="http://schemas.openxmlformats.org/presentationml/2006/main">
-  <p:cSld>
-    <p:spTree>
-      <p:nvGrpSpPr>
-        <p:cNvPr id="1" name=""/>
-        <p:cNvGrpSpPr/>
-        <p:nvPr/>
-      </p:nvGrpSpPr>
-      <p:grpSpPr>
-        <a:xfrm>
-          <a:off x="0" y="0"/>
-          <a:ext cx="0" cy="0"/>
-          <a:chOff x="0" y="0"/>
-          <a:chExt cx="0" cy="0"/>
-        </a:xfrm>
-      </p:grpSpPr>
-      <p:pic>
-        <p:nvPicPr>
-          <p:cNvPr id="2050" name="Picture 2"/>
-          <p:cNvPicPr>
-            <a:picLocks noChangeAspect="1" noChangeArrowheads="1"/>
-          </p:cNvPicPr>
-          <p:nvPr/>
-        </p:nvPicPr>
-        <p:blipFill>
-          <a:blip r:embed="rId2">
-            <a:extLst>
-              <a:ext uri="{28A0092B-C50C-407E-A947-70E740481C1C}">
-                <a14:useLocalDpi xmlns:a14="http://schemas.microsoft.com/office/drawing/2010/main" val="0"/>
-              </a:ext>
-            </a:extLst>
-          </a:blip>
-          <a:srcRect/>
-          <a:stretch>
-            <a:fillRect/>
-          </a:stretch>
-        </p:blipFill>
-        <p:spPr bwMode="auto">
-          <a:xfrm>
-            <a:off x="152399" y="152400"/>
-            <a:ext cx="5913863" cy="6553200"/>
-          </a:xfrm>
-          <a:prstGeom prst="rect">
-            <a:avLst/>
-          </a:prstGeom>
-          <a:noFill/>
-          <a:ln>
-            <a:noFill/>
-          </a:ln>
-          <a:effectLst/>
-          <a:extLst>
-            <a:ext uri="{909E8E84-426E-40DD-AFC4-6F175D3DCCD1}">
-              <a14:hiddenFill xmlns:a14="http://schemas.microsoft.com/office/drawing/2010/main">
-                <a:solidFill>
-                  <a:schemeClr val="accent1"/>
-                </a:solidFill>
-              </a14:hiddenFill>
-            </a:ext>
-            <a:ext uri="{91240B29-F687-4F45-9708-019B960494DF}">
-              <a14:hiddenLine xmlns:a14="http://schemas.microsoft.com/office/drawing/2010/main" w="9525">
-                <a:solidFill>
-                  <a:schemeClr val="tx1"/>
-                </a:solidFill>
-                <a:miter lim="800000"/>
-                <a:headEnd/>
-                <a:tailEnd/>
-              </a14:hiddenLine>
-            </a:ext>
-            <a:ext uri="{AF507438-7753-43E0-B8FC-AC1667EBCBE1}">
-              <a14:hiddenEffects xmlns:a14="http://schemas.microsoft.com/office/drawing/2010/main">
-                <a:effectLst>
-                  <a:outerShdw dist="35921" dir="2700000" algn="ctr" rotWithShape="0">
-                    <a:schemeClr val="bg2"/>
-                  </a:outerShdw>
-                </a:effectLst>
-              </a14:hiddenEffects>
-            </a:ext>
-          </a:extLst>
-        </p:spPr>
-      </p:pic>
-    </p:spTree>
-    <p:extLst>
-      <p:ext uri="{BB962C8B-B14F-4D97-AF65-F5344CB8AC3E}">
-        <p14:creationId xmlns:p14="http://schemas.microsoft.com/office/powerpoint/2010/main" val="549028571"/>
-      </p:ext>
-    </p:extLst>
-  </p:cSld>
-  <p:clrMapOvr>
-    <a:masterClrMapping/>
-  </p:clrMapOvr>
-</p:sld>
-</file>
-
-<file path=ppt/slides/slide4.xml><?xml version="1.0" encoding="utf-8"?>
-<p:sld xmlns:a="http://schemas.openxmlformats.org/drawingml/2006/main" xmlns:r="http://schemas.openxmlformats.org/officeDocument/2006/relationships" xmlns:p="http://schemas.openxmlformats.org/presentationml/2006/main">
-  <p:cSld>
-    <p:spTree>
-      <p:nvGrpSpPr>
-        <p:cNvPr id="1" name=""/>
-        <p:cNvGrpSpPr/>
-        <p:nvPr/>
-      </p:nvGrpSpPr>
-      <p:grpSpPr>
-        <a:xfrm>
-          <a:off x="0" y="0"/>
-          <a:ext cx="0" cy="0"/>
-          <a:chOff x="0" y="0"/>
-          <a:chExt cx="0" cy="0"/>
-        </a:xfrm>
-      </p:grpSpPr>
-      <p:pic>
-        <p:nvPicPr>
-          <p:cNvPr id="3074" name="Picture 2"/>
-          <p:cNvPicPr>
-            <a:picLocks noChangeAspect="1" noChangeArrowheads="1"/>
-          </p:cNvPicPr>
-          <p:nvPr/>
-        </p:nvPicPr>
-        <p:blipFill>
-          <a:blip r:embed="rId2">
-            <a:extLst>
-              <a:ext uri="{28A0092B-C50C-407E-A947-70E740481C1C}">
-                <a14:useLocalDpi xmlns:a14="http://schemas.microsoft.com/office/drawing/2010/main" val="0"/>
-              </a:ext>
-            </a:extLst>
-          </a:blip>
-          <a:srcRect/>
-          <a:stretch>
-            <a:fillRect/>
-          </a:stretch>
-        </p:blipFill>
-        <p:spPr bwMode="auto">
-          <a:xfrm>
-            <a:off x="152400" y="152400"/>
-            <a:ext cx="5500801" cy="6477000"/>
-          </a:xfrm>
-          <a:prstGeom prst="rect">
-            <a:avLst/>
-          </a:prstGeom>
-          <a:noFill/>
-          <a:ln>
-            <a:noFill/>
-          </a:ln>
-          <a:effectLst/>
-          <a:extLst>
-            <a:ext uri="{909E8E84-426E-40DD-AFC4-6F175D3DCCD1}">
-              <a14:hiddenFill xmlns:a14="http://schemas.microsoft.com/office/drawing/2010/main">
-                <a:solidFill>
-                  <a:schemeClr val="accent1"/>
-                </a:solidFill>
-              </a14:hiddenFill>
-            </a:ext>
-            <a:ext uri="{91240B29-F687-4F45-9708-019B960494DF}">
-              <a14:hiddenLine xmlns:a14="http://schemas.microsoft.com/office/drawing/2010/main" w="9525">
-                <a:solidFill>
-                  <a:schemeClr val="tx1"/>
-                </a:solidFill>
-                <a:miter lim="800000"/>
-                <a:headEnd/>
-                <a:tailEnd/>
-              </a14:hiddenLine>
-            </a:ext>
-            <a:ext uri="{AF507438-7753-43E0-B8FC-AC1667EBCBE1}">
-              <a14:hiddenEffects xmlns:a14="http://schemas.microsoft.com/office/drawing/2010/main">
-                <a:effectLst>
-                  <a:outerShdw dist="35921" dir="2700000" algn="ctr" rotWithShape="0">
-                    <a:schemeClr val="bg2"/>
-                  </a:outerShdw>
-                </a:effectLst>
-              </a14:hiddenEffects>
-            </a:ext>
-          </a:extLst>
-        </p:spPr>
-      </p:pic>
-    </p:spTree>
-    <p:extLst>
-      <p:ext uri="{BB962C8B-B14F-4D97-AF65-F5344CB8AC3E}">
-        <p14:creationId xmlns:p14="http://schemas.microsoft.com/office/powerpoint/2010/main" val="2844910392"/>
-      </p:ext>
-    </p:extLst>
-  </p:cSld>
-  <p:clrMapOvr>
-    <a:masterClrMapping/>
-  </p:clrMapOvr>
 </p:sld>
 </file>
 

--- a/Clinics7_7_16.pptx
+++ b/Clinics7_7_16.pptx
@@ -110,7 +110,7 @@
   </p:defaultTextStyle>
   <p:extLst>
     <p:ext uri="{EFAFB233-063F-42B5-8137-9DF3F51BA10A}">
-      <p15:sldGuideLst xmlns="" xmlns:p15="http://schemas.microsoft.com/office/powerpoint/2012/main">
+      <p15:sldGuideLst xmlns:p15="http://schemas.microsoft.com/office/powerpoint/2012/main" xmlns="">
         <p15:guide id="1" orient="horz" pos="2160">
           <p15:clr>
             <a:srgbClr val="A4A3A4"/>
@@ -327,7 +327,7 @@
             <a:fld id="{F739FEB4-91A7-40B9-8302-0061A33D9BCC}" type="datetimeFigureOut">
               <a:rPr lang="en-US" smtClean="0"/>
               <a:pPr/>
-              <a:t>7/6/2016</a:t>
+              <a:t>7/7/2016</a:t>
             </a:fld>
             <a:endParaRPr lang="en-US"/>
           </a:p>
@@ -525,7 +525,7 @@
           <a:p>
             <a:fld id="{F739FEB4-91A7-40B9-8302-0061A33D9BCC}" type="datetimeFigureOut">
               <a:rPr lang="en-US" smtClean="0"/>
-              <a:t>7/6/2016</a:t>
+              <a:t>7/7/2016</a:t>
             </a:fld>
             <a:endParaRPr lang="en-US"/>
           </a:p>
@@ -705,7 +705,7 @@
           <a:p>
             <a:fld id="{F739FEB4-91A7-40B9-8302-0061A33D9BCC}" type="datetimeFigureOut">
               <a:rPr lang="en-US" smtClean="0"/>
-              <a:t>7/6/2016</a:t>
+              <a:t>7/7/2016</a:t>
             </a:fld>
             <a:endParaRPr lang="en-US"/>
           </a:p>
@@ -875,7 +875,7 @@
           <a:p>
             <a:fld id="{F739FEB4-91A7-40B9-8302-0061A33D9BCC}" type="datetimeFigureOut">
               <a:rPr lang="en-US" smtClean="0"/>
-              <a:t>7/6/2016</a:t>
+              <a:t>7/7/2016</a:t>
             </a:fld>
             <a:endParaRPr lang="en-US"/>
           </a:p>
@@ -1121,7 +1121,7 @@
           <a:p>
             <a:fld id="{F739FEB4-91A7-40B9-8302-0061A33D9BCC}" type="datetimeFigureOut">
               <a:rPr lang="en-US" smtClean="0"/>
-              <a:t>7/6/2016</a:t>
+              <a:t>7/7/2016</a:t>
             </a:fld>
             <a:endParaRPr lang="en-US"/>
           </a:p>
@@ -1409,7 +1409,7 @@
           <a:p>
             <a:fld id="{F739FEB4-91A7-40B9-8302-0061A33D9BCC}" type="datetimeFigureOut">
               <a:rPr lang="en-US" smtClean="0"/>
-              <a:t>7/6/2016</a:t>
+              <a:t>7/7/2016</a:t>
             </a:fld>
             <a:endParaRPr lang="en-US"/>
           </a:p>
@@ -1831,7 +1831,7 @@
           <a:p>
             <a:fld id="{F739FEB4-91A7-40B9-8302-0061A33D9BCC}" type="datetimeFigureOut">
               <a:rPr lang="en-US" smtClean="0"/>
-              <a:t>7/6/2016</a:t>
+              <a:t>7/7/2016</a:t>
             </a:fld>
             <a:endParaRPr lang="en-US"/>
           </a:p>
@@ -1949,7 +1949,7 @@
           <a:p>
             <a:fld id="{F739FEB4-91A7-40B9-8302-0061A33D9BCC}" type="datetimeFigureOut">
               <a:rPr lang="en-US" smtClean="0"/>
-              <a:t>7/6/2016</a:t>
+              <a:t>7/7/2016</a:t>
             </a:fld>
             <a:endParaRPr lang="en-US"/>
           </a:p>
@@ -2044,7 +2044,7 @@
           <a:p>
             <a:fld id="{F739FEB4-91A7-40B9-8302-0061A33D9BCC}" type="datetimeFigureOut">
               <a:rPr lang="en-US" smtClean="0"/>
-              <a:t>7/6/2016</a:t>
+              <a:t>7/7/2016</a:t>
             </a:fld>
             <a:endParaRPr lang="en-US"/>
           </a:p>
@@ -2321,7 +2321,7 @@
           <a:p>
             <a:fld id="{F739FEB4-91A7-40B9-8302-0061A33D9BCC}" type="datetimeFigureOut">
               <a:rPr lang="en-US" smtClean="0"/>
-              <a:t>7/6/2016</a:t>
+              <a:t>7/7/2016</a:t>
             </a:fld>
             <a:endParaRPr lang="en-US"/>
           </a:p>
@@ -2574,7 +2574,7 @@
           <a:p>
             <a:fld id="{F739FEB4-91A7-40B9-8302-0061A33D9BCC}" type="datetimeFigureOut">
               <a:rPr lang="en-US" smtClean="0"/>
-              <a:t>7/6/2016</a:t>
+              <a:t>7/7/2016</a:t>
             </a:fld>
             <a:endParaRPr lang="en-US"/>
           </a:p>
@@ -2789,7 +2789,7 @@
             <a:fld id="{F739FEB4-91A7-40B9-8302-0061A33D9BCC}" type="datetimeFigureOut">
               <a:rPr lang="en-US" smtClean="0"/>
               <a:pPr/>
-              <a:t>7/6/2016</a:t>
+              <a:t>7/7/2016</a:t>
             </a:fld>
             <a:endParaRPr lang="en-US"/>
           </a:p>
@@ -3199,7 +3199,15 @@
             </a:br>
             <a:r>
               <a:rPr lang="en-US" sz="2000" dirty="0" smtClean="0"/>
-              <a:t>Methodology and Progress So Far</a:t>
+              <a:t>Methodology and Progress </a:t>
+            </a:r>
+            <a:r>
+              <a:rPr lang="en-US" sz="2000" dirty="0" smtClean="0"/>
+              <a:t> - So </a:t>
+            </a:r>
+            <a:r>
+              <a:rPr lang="en-US" sz="2000" dirty="0" smtClean="0"/>
+              <a:t>Far</a:t>
             </a:r>
             <a:br>
               <a:rPr lang="en-US" sz="2000" dirty="0" smtClean="0"/>
@@ -3250,15 +3258,7 @@
             </a:pPr>
             <a:r>
               <a:rPr lang="en-US" b="1" dirty="0" smtClean="0"/>
-              <a:t>Created ‘administrator </a:t>
-            </a:r>
-            <a:r>
-              <a:rPr lang="en-US" b="1" dirty="0" smtClean="0"/>
-              <a:t>perceived’ list </a:t>
-            </a:r>
-            <a:r>
-              <a:rPr lang="en-US" b="1" dirty="0" smtClean="0"/>
-              <a:t>of probable problem areas</a:t>
+              <a:t>Created ‘administrator perceived’ list of probable problem areas</a:t>
             </a:r>
           </a:p>
           <a:p>
@@ -3270,29 +3270,12 @@
               <a:rPr lang="en-US" b="1" dirty="0" smtClean="0"/>
               <a:t>Plan: </a:t>
             </a:r>
-            <a:endParaRPr lang="en-US" b="1" dirty="0" smtClean="0"/>
           </a:p>
           <a:p>
             <a:pPr lvl="2"/>
             <a:r>
               <a:rPr lang="en-US" b="1" dirty="0" smtClean="0"/>
-              <a:t>Collect problems </a:t>
-            </a:r>
-            <a:r>
-              <a:rPr lang="en-US" b="1" dirty="0" smtClean="0"/>
-              <a:t>as perceived by </a:t>
-            </a:r>
-            <a:r>
-              <a:rPr lang="en-US" b="1" dirty="0" smtClean="0"/>
-              <a:t>MD’s </a:t>
-            </a:r>
-            <a:r>
-              <a:rPr lang="en-US" b="1" dirty="0" smtClean="0"/>
-              <a:t>and PC’s working in </a:t>
-            </a:r>
-            <a:r>
-              <a:rPr lang="en-US" b="1" dirty="0" smtClean="0"/>
-              <a:t>clinics</a:t>
+              <a:t>Collect problems as perceived by MD’s and PC’s working in clinics</a:t>
             </a:r>
           </a:p>
           <a:p>
@@ -3318,13 +3301,8 @@
             </a:r>
             <a:r>
               <a:rPr lang="en-US" b="1" dirty="0" smtClean="0"/>
-              <a:t> – MD </a:t>
-            </a:r>
-            <a:r>
-              <a:rPr lang="en-US" b="1" dirty="0" smtClean="0"/>
-              <a:t>perceived problems</a:t>
-            </a:r>
-            <a:endParaRPr lang="en-US" b="1" dirty="0" smtClean="0"/>
+              <a:t> – MD perceived problems</a:t>
+            </a:r>
           </a:p>
           <a:p>
             <a:pPr lvl="3">
@@ -3333,11 +3311,7 @@
             </a:pPr>
             <a:r>
               <a:rPr lang="en-US" b="1" dirty="0" smtClean="0"/>
-              <a:t>John Mahon – PC </a:t>
-            </a:r>
-            <a:r>
-              <a:rPr lang="en-US" b="1" dirty="0" smtClean="0"/>
-              <a:t>perceived problems</a:t>
+              <a:t>John Mahon – PC perceived problems</a:t>
             </a:r>
           </a:p>
           <a:p>
@@ -3365,7 +3339,6 @@
               <a:rPr lang="en-US" b="1" dirty="0" smtClean="0"/>
               <a:t>weeks</a:t>
             </a:r>
-            <a:endParaRPr lang="en-US" b="1" dirty="0" smtClean="0"/>
           </a:p>
           <a:p>
             <a:r>
@@ -3394,7 +3367,6 @@
               <a:rPr lang="en-US" b="1" dirty="0" smtClean="0"/>
               <a:t> PC perceived problems to Mentis</a:t>
             </a:r>
-            <a:endParaRPr lang="en-US" b="1" dirty="0" smtClean="0"/>
           </a:p>
           <a:p>
             <a:pPr marL="1828800" lvl="4" indent="0">
@@ -5036,8 +5008,8 @@
         </p:nvSpPr>
         <p:spPr>
           <a:xfrm>
-            <a:off x="5772228" y="457200"/>
-            <a:ext cx="3219371" cy="2462213"/>
+            <a:off x="5653202" y="457200"/>
+            <a:ext cx="3338398" cy="3539430"/>
           </a:xfrm>
           <a:prstGeom prst="rect">
             <a:avLst/>
@@ -5088,7 +5060,15 @@
                   <a:schemeClr val="bg1"/>
                 </a:solidFill>
               </a:rPr>
-              <a:t>Think just summary of data from original 5/11/16 meeting</a:t>
+              <a:t>I think this is summary </a:t>
+            </a:r>
+            <a:r>
+              <a:rPr lang="en-US" sz="1400" b="1" dirty="0" smtClean="0">
+                <a:solidFill>
+                  <a:schemeClr val="bg1"/>
+                </a:solidFill>
+              </a:rPr>
+              <a:t>of data from original 5/11/16 meeting</a:t>
             </a:r>
           </a:p>
           <a:p>
@@ -5102,38 +5082,21 @@
                   <a:schemeClr val="bg1"/>
                 </a:solidFill>
               </a:rPr>
-              <a:t>No PC perceived problems</a:t>
-            </a:r>
-          </a:p>
-          <a:p>
-            <a:pPr marL="285750" indent="-285750">
-              <a:buFont typeface="Arial" panose="020B0604020202020204" pitchFamily="34" charset="0"/>
-              <a:buChar char="•"/>
-            </a:pPr>
+              <a:t>If  true </a:t>
+            </a:r>
             <a:r>
               <a:rPr lang="en-US" sz="1400" b="1" dirty="0" smtClean="0">
                 <a:solidFill>
                   <a:schemeClr val="bg1"/>
                 </a:solidFill>
               </a:rPr>
-              <a:t>?? </a:t>
-            </a:r>
-            <a:r>
-              <a:rPr lang="en-US" sz="1400" b="1" dirty="0" err="1" smtClean="0">
-                <a:solidFill>
-                  <a:schemeClr val="bg1"/>
-                </a:solidFill>
-              </a:rPr>
-              <a:t>wrt</a:t>
-            </a:r>
-            <a:r>
-              <a:rPr lang="en-US" sz="1400" b="1" dirty="0" smtClean="0">
-                <a:solidFill>
-                  <a:schemeClr val="bg1"/>
-                </a:solidFill>
-              </a:rPr>
-              <a:t>: PC  perceived problems:</a:t>
-            </a:r>
+              <a:t>that PCs have problems that have not been identified then:</a:t>
+            </a:r>
+            <a:endParaRPr lang="en-US" sz="1400" b="1" dirty="0" smtClean="0">
+              <a:solidFill>
+                <a:schemeClr val="bg1"/>
+              </a:solidFill>
+            </a:endParaRPr>
           </a:p>
           <a:p>
             <a:pPr marL="742950" lvl="1" indent="-285750">
@@ -5141,12 +5104,12 @@
               <a:buChar char="•"/>
             </a:pPr>
             <a:r>
-              <a:rPr lang="en-US" sz="1400" b="1" dirty="0">
+              <a:rPr lang="en-US" sz="1400" b="1" dirty="0" smtClean="0">
                 <a:solidFill>
                   <a:schemeClr val="bg1"/>
                 </a:solidFill>
               </a:rPr>
-              <a:t>N</a:t>
+              <a:t>Not </a:t>
             </a:r>
             <a:r>
               <a:rPr lang="en-US" sz="1400" b="1" dirty="0" smtClean="0">
@@ -5154,7 +5117,23 @@
                   <a:schemeClr val="bg1"/>
                 </a:solidFill>
               </a:rPr>
-              <a:t>ot identified</a:t>
+              <a:t>evaluated by “Clinic </a:t>
+            </a:r>
+            <a:r>
+              <a:rPr lang="en-US" sz="1400" b="1" dirty="0" err="1" smtClean="0">
+                <a:solidFill>
+                  <a:schemeClr val="bg1"/>
+                </a:solidFill>
+              </a:rPr>
+              <a:t>Questionaire</a:t>
+            </a:r>
+            <a:r>
+              <a:rPr lang="en-US" sz="1400" b="1" dirty="0" smtClean="0">
+                <a:solidFill>
+                  <a:schemeClr val="bg1"/>
+                </a:solidFill>
+              </a:rPr>
+              <a:t>”</a:t>
             </a:r>
           </a:p>
           <a:p>
@@ -5168,15 +5147,15 @@
                   <a:schemeClr val="bg1"/>
                 </a:solidFill>
               </a:rPr>
-              <a:t>Not evaluated by “Clinic </a:t>
-            </a:r>
-            <a:r>
-              <a:rPr lang="en-US" sz="1400" b="1" dirty="0" err="1" smtClean="0">
+              <a:t>No new </a:t>
+            </a:r>
+            <a:r>
+              <a:rPr lang="en-US" sz="1400" b="1" dirty="0" smtClean="0">
                 <a:solidFill>
                   <a:schemeClr val="bg1"/>
                 </a:solidFill>
               </a:rPr>
-              <a:t>Questionaire</a:t>
+              <a:t>interventions </a:t>
             </a:r>
             <a:r>
               <a:rPr lang="en-US" sz="1400" b="1" dirty="0" smtClean="0">
@@ -5184,7 +5163,23 @@
                   <a:schemeClr val="bg1"/>
                 </a:solidFill>
               </a:rPr>
-              <a:t>”</a:t>
+              <a:t> will be tried </a:t>
+            </a:r>
+            <a:r>
+              <a:rPr lang="en-US" sz="1400" b="1" dirty="0" smtClean="0">
+                <a:solidFill>
+                  <a:schemeClr val="bg1"/>
+                </a:solidFill>
+              </a:rPr>
+              <a:t>in </a:t>
+            </a:r>
+            <a:r>
+              <a:rPr lang="en-US" sz="1400" b="1" dirty="0" smtClean="0">
+                <a:solidFill>
+                  <a:schemeClr val="bg1"/>
+                </a:solidFill>
+              </a:rPr>
+              <a:t>Pilot</a:t>
             </a:r>
           </a:p>
           <a:p>
@@ -5198,7 +5193,63 @@
                   <a:schemeClr val="bg1"/>
                 </a:solidFill>
               </a:rPr>
-              <a:t>No interventions tried in Pilot</a:t>
+              <a:t>Reduced</a:t>
+            </a:r>
+            <a:r>
+              <a:rPr lang="en-US" sz="1400" b="1" dirty="0" smtClean="0">
+                <a:solidFill>
+                  <a:schemeClr val="bg1"/>
+                </a:solidFill>
+              </a:rPr>
+              <a:t> </a:t>
+            </a:r>
+            <a:r>
+              <a:rPr lang="en-US" sz="1400" b="1" dirty="0" smtClean="0">
+                <a:solidFill>
+                  <a:schemeClr val="bg1"/>
+                </a:solidFill>
+              </a:rPr>
+              <a:t>chance of </a:t>
+            </a:r>
+            <a:r>
+              <a:rPr lang="en-US" sz="1400" b="1" dirty="0" smtClean="0">
+                <a:solidFill>
+                  <a:schemeClr val="bg1"/>
+                </a:solidFill>
+              </a:rPr>
+              <a:t>improving their working situation </a:t>
+            </a:r>
+            <a:r>
+              <a:rPr lang="en-US" sz="1400" b="1" dirty="0" err="1" smtClean="0">
+                <a:solidFill>
+                  <a:schemeClr val="bg1"/>
+                </a:solidFill>
+              </a:rPr>
+              <a:t>wrt</a:t>
+            </a:r>
+            <a:r>
+              <a:rPr lang="en-US" sz="1400" b="1" dirty="0" smtClean="0">
+                <a:solidFill>
+                  <a:schemeClr val="bg1"/>
+                </a:solidFill>
+              </a:rPr>
+              <a:t>. </a:t>
+            </a:r>
+            <a:r>
+              <a:rPr lang="en-US" sz="1400" b="1" dirty="0">
+                <a:solidFill>
+                  <a:schemeClr val="bg1"/>
+                </a:solidFill>
+              </a:rPr>
+              <a:t>t</a:t>
+            </a:r>
+            <a:r>
+              <a:rPr lang="en-US" sz="1400" b="1" dirty="0" smtClean="0">
+                <a:solidFill>
+                  <a:schemeClr val="bg1"/>
+                </a:solidFill>
+              </a:rPr>
+              <a:t>hese issues</a:t>
             </a:r>
           </a:p>
           <a:p>
@@ -5212,8 +5263,13 @@
                   <a:schemeClr val="bg1"/>
                 </a:solidFill>
               </a:rPr>
-              <a:t>No chance of improvement</a:t>
-            </a:r>
+              <a:t>(Can be given voice:  - If PCs enter these issues in “OTHER” section of Clinic Questionnaire) </a:t>
+            </a:r>
+            <a:endParaRPr lang="en-US" sz="1400" b="1" dirty="0" smtClean="0">
+              <a:solidFill>
+                <a:schemeClr val="bg1"/>
+              </a:solidFill>
+            </a:endParaRPr>
           </a:p>
         </p:txBody>
       </p:sp>
@@ -5560,55 +5616,6 @@
                       </p:childTnLst>
                     </p:cTn>
                   </p:par>
-                  <p:par>
-                    <p:cTn id="29" fill="hold">
-                      <p:stCondLst>
-                        <p:cond delay="indefinite"/>
-                      </p:stCondLst>
-                      <p:childTnLst>
-                        <p:par>
-                          <p:cTn id="30" fill="hold">
-                            <p:stCondLst>
-                              <p:cond delay="0"/>
-                            </p:stCondLst>
-                            <p:childTnLst>
-                              <p:par>
-                                <p:cTn id="31" presetID="1" presetClass="entr" presetSubtype="0" fill="hold" nodeType="clickEffect">
-                                  <p:stCondLst>
-                                    <p:cond delay="0"/>
-                                  </p:stCondLst>
-                                  <p:childTnLst>
-                                    <p:set>
-                                      <p:cBhvr>
-                                        <p:cTn id="32" dur="1" fill="hold">
-                                          <p:stCondLst>
-                                            <p:cond delay="0"/>
-                                          </p:stCondLst>
-                                        </p:cTn>
-                                        <p:tgtEl>
-                                          <p:spTgt spid="3">
-                                            <p:txEl>
-                                              <p:pRg st="8" end="8"/>
-                                            </p:txEl>
-                                          </p:spTgt>
-                                        </p:tgtEl>
-                                        <p:attrNameLst>
-                                          <p:attrName>style.visibility</p:attrName>
-                                        </p:attrNameLst>
-                                      </p:cBhvr>
-                                      <p:to>
-                                        <p:strVal val="visible"/>
-                                      </p:to>
-                                    </p:set>
-                                  </p:childTnLst>
-                                </p:cTn>
-                              </p:par>
-                            </p:childTnLst>
-                          </p:cTn>
-                        </p:par>
-                      </p:childTnLst>
-                    </p:cTn>
-                  </p:par>
                 </p:childTnLst>
               </p:cTn>
               <p:prevCondLst>
@@ -5675,15 +5682,7 @@
           <a:p>
             <a:r>
               <a:rPr lang="en-US" sz="3100" dirty="0" smtClean="0"/>
-              <a:t>Improving Patient </a:t>
-            </a:r>
-            <a:r>
-              <a:rPr lang="en-US" sz="3100" dirty="0" smtClean="0"/>
-              <a:t>Flow/Care </a:t>
-            </a:r>
-            <a:r>
-              <a:rPr lang="en-US" sz="3100" dirty="0" smtClean="0"/>
-              <a:t>In Clinics</a:t>
+              <a:t>Improving Patient Flow/Care In Clinics</a:t>
             </a:r>
             <a:br>
               <a:rPr lang="en-US" sz="3100" dirty="0" smtClean="0"/>
@@ -5805,8 +5804,13 @@
             </a:r>
             <a:r>
               <a:rPr lang="en-US" b="1" dirty="0" smtClean="0"/>
-              <a:t> completed</a:t>
-            </a:r>
+              <a:t> </a:t>
+            </a:r>
+            <a:r>
+              <a:rPr lang="en-US" b="1" dirty="0" smtClean="0"/>
+              <a:t>completed by Mentis</a:t>
+            </a:r>
+            <a:endParaRPr lang="en-US" b="1" dirty="0" smtClean="0"/>
           </a:p>
           <a:p>
             <a:r>
@@ -5912,9 +5916,16 @@
             <a:pPr lvl="2"/>
             <a:r>
               <a:rPr lang="en-US" b="1" dirty="0" smtClean="0"/>
-              <a:t>?Staff copy onto desktop from common server, ?? Staff give computer No to IT who place on Desktop</a:t>
-            </a:r>
-            <a:endParaRPr lang="en-US" b="1" dirty="0" smtClean="0"/>
+              <a:t>?Staff copy onto desktop from common </a:t>
+            </a:r>
+            <a:r>
+              <a:rPr lang="en-US" b="1" dirty="0" smtClean="0"/>
+              <a:t>server/memory stick  </a:t>
+            </a:r>
+            <a:r>
+              <a:rPr lang="en-US" b="1" dirty="0" smtClean="0"/>
+              <a:t>?? Staff give computer No to IT who place on Desktop</a:t>
+            </a:r>
           </a:p>
           <a:p>
             <a:pPr lvl="1">
@@ -5937,7 +5948,77 @@
             </a:r>
             <a:r>
               <a:rPr lang="en-US" b="1" dirty="0" smtClean="0"/>
-              <a:t>in Real-Time in Pilot-Clinics, by MDs and PCs</a:t>
+              <a:t>in </a:t>
+            </a:r>
+            <a:r>
+              <a:rPr lang="en-US" b="1" dirty="0" smtClean="0"/>
+              <a:t>Real-Time, over two weeks </a:t>
+            </a:r>
+            <a:r>
+              <a:rPr lang="en-US" b="1" dirty="0" smtClean="0"/>
+              <a:t>in Pilot-Clinics, by MDs and PCs</a:t>
+            </a:r>
+          </a:p>
+          <a:p>
+            <a:r>
+              <a:rPr lang="en-US" b="1" smtClean="0">
+                <a:solidFill>
+                  <a:srgbClr val="FFFF00"/>
+                </a:solidFill>
+              </a:rPr>
+              <a:t>Pre-Pilot </a:t>
+            </a:r>
+            <a:r>
+              <a:rPr lang="en-US" b="1" dirty="0" smtClean="0">
+                <a:solidFill>
+                  <a:srgbClr val="FFFF00"/>
+                </a:solidFill>
+              </a:rPr>
+              <a:t>Questionnaire Analysis </a:t>
+            </a:r>
+            <a:r>
+              <a:rPr lang="en-US" b="1" dirty="0" smtClean="0"/>
+              <a:t>(Mentis)</a:t>
+            </a:r>
+          </a:p>
+          <a:p>
+            <a:r>
+              <a:rPr lang="en-US" b="1" dirty="0" smtClean="0">
+                <a:solidFill>
+                  <a:srgbClr val="FFFF00"/>
+                </a:solidFill>
+              </a:rPr>
+              <a:t>Formulation of Pilot Interventions </a:t>
+            </a:r>
+            <a:r>
+              <a:rPr lang="en-US" b="1" dirty="0" smtClean="0"/>
+              <a:t>based on results of analysis</a:t>
+            </a:r>
+            <a:r>
+              <a:rPr lang="en-US" b="1" dirty="0" smtClean="0">
+                <a:solidFill>
+                  <a:srgbClr val="FFFF00"/>
+                </a:solidFill>
+              </a:rPr>
+              <a:t> </a:t>
+            </a:r>
+            <a:r>
+              <a:rPr lang="en-US" b="1" dirty="0" smtClean="0"/>
+              <a:t>(Mentis)</a:t>
+            </a:r>
+          </a:p>
+          <a:p>
+            <a:r>
+              <a:rPr lang="en-US" b="1" dirty="0" smtClean="0">
+                <a:solidFill>
+                  <a:srgbClr val="FFFF00"/>
+                </a:solidFill>
+              </a:rPr>
+              <a:t>‘Pilot Interventions’ Meeting </a:t>
+            </a:r>
+            <a:r>
+              <a:rPr lang="en-US" b="1" dirty="0" smtClean="0"/>
+              <a:t>– finalize:</a:t>
             </a:r>
           </a:p>
           <a:p>
@@ -5947,62 +6028,7 @@
             </a:pPr>
             <a:r>
               <a:rPr lang="en-US" b="1" dirty="0" smtClean="0"/>
-              <a:t>By MDs/PCs during day in pilot clinics during two  one-week periods</a:t>
-            </a:r>
-            <a:endParaRPr lang="en-US" b="1" dirty="0" smtClean="0"/>
-          </a:p>
-          <a:p>
-            <a:r>
-              <a:rPr lang="en-US" b="1" dirty="0" smtClean="0">
-                <a:solidFill>
-                  <a:srgbClr val="FFFF00"/>
-                </a:solidFill>
-              </a:rPr>
-              <a:t>Pre-Pilot Questionnaire Analysis </a:t>
-            </a:r>
-            <a:r>
-              <a:rPr lang="en-US" b="1" dirty="0" smtClean="0"/>
-              <a:t>(Mentis)</a:t>
-            </a:r>
-          </a:p>
-          <a:p>
-            <a:r>
-              <a:rPr lang="en-US" b="1" dirty="0" smtClean="0">
-                <a:solidFill>
-                  <a:srgbClr val="FFFF00"/>
-                </a:solidFill>
-              </a:rPr>
-              <a:t>Formulation of Pilot Interventions </a:t>
-            </a:r>
-            <a:r>
-              <a:rPr lang="en-US" b="1" dirty="0" smtClean="0"/>
-              <a:t>based on results of analysis</a:t>
-            </a:r>
-            <a:r>
-              <a:rPr lang="en-US" b="1" dirty="0" smtClean="0">
-                <a:solidFill>
-                  <a:srgbClr val="FFFF00"/>
-                </a:solidFill>
-              </a:rPr>
-              <a:t> </a:t>
-            </a:r>
-            <a:r>
-              <a:rPr lang="en-US" b="1" dirty="0" smtClean="0"/>
-              <a:t>(Mentis)</a:t>
-            </a:r>
-          </a:p>
-          <a:p>
-            <a:r>
-              <a:rPr lang="en-US" b="1" dirty="0" smtClean="0">
-                <a:solidFill>
-                  <a:srgbClr val="FFFF00"/>
-                </a:solidFill>
-              </a:rPr>
-              <a:t>‘Pilot Interventions’ Meeting </a:t>
-            </a:r>
-            <a:r>
-              <a:rPr lang="en-US" b="1" dirty="0" smtClean="0"/>
-              <a:t>– finalize:</a:t>
+              <a:t>What interventions to implement</a:t>
             </a:r>
           </a:p>
           <a:p>
@@ -6012,7 +6038,7 @@
             </a:pPr>
             <a:r>
               <a:rPr lang="en-US" b="1" dirty="0" smtClean="0"/>
-              <a:t>What interventions to implement</a:t>
+              <a:t>How to make implementations</a:t>
             </a:r>
           </a:p>
           <a:p>
@@ -6022,7 +6048,80 @@
             </a:pPr>
             <a:r>
               <a:rPr lang="en-US" b="1" dirty="0" smtClean="0"/>
-              <a:t>How to make implementations</a:t>
+              <a:t>How long implementation need to be in place for any benefit to be </a:t>
+            </a:r>
+            <a:r>
+              <a:rPr lang="en-US" b="1" dirty="0" smtClean="0"/>
+              <a:t>seen</a:t>
+            </a:r>
+          </a:p>
+          <a:p>
+            <a:r>
+              <a:rPr lang="en-US" b="1" dirty="0" smtClean="0">
+                <a:solidFill>
+                  <a:srgbClr val="FFFF00"/>
+                </a:solidFill>
+              </a:rPr>
+              <a:t>Implement Pilot </a:t>
+            </a:r>
+            <a:r>
+              <a:rPr lang="en-US" b="1" dirty="0" smtClean="0"/>
+              <a:t>– Institute changes into chosen clinics for chosen amount of time</a:t>
+            </a:r>
+            <a:endParaRPr lang="en-US" b="1" dirty="0" smtClean="0"/>
+          </a:p>
+          <a:p>
+            <a:r>
+              <a:rPr lang="en-US" b="1" dirty="0" smtClean="0">
+                <a:solidFill>
+                  <a:srgbClr val="FFFF00"/>
+                </a:solidFill>
+              </a:rPr>
+              <a:t>Post-Pilot Questionnaire Completion (after implementation ) </a:t>
+            </a:r>
+            <a:r>
+              <a:rPr lang="en-US" b="1" dirty="0" smtClean="0"/>
+              <a:t> AT ALL CLINICS not just Pilot sites</a:t>
+            </a:r>
+          </a:p>
+          <a:p>
+            <a:r>
+              <a:rPr lang="en-US" b="1" dirty="0" smtClean="0">
+                <a:solidFill>
+                  <a:srgbClr val="FFFF00"/>
+                </a:solidFill>
+              </a:rPr>
+              <a:t>Analyze Pre- and Post-Pilot Questionnaires’  </a:t>
+            </a:r>
+            <a:r>
+              <a:rPr lang="en-US" b="1" dirty="0" smtClean="0"/>
+              <a:t>(Mentis)</a:t>
+            </a:r>
+          </a:p>
+          <a:p>
+            <a:r>
+              <a:rPr lang="en-US" b="1" dirty="0" smtClean="0">
+                <a:solidFill>
+                  <a:srgbClr val="FFFF00"/>
+                </a:solidFill>
+              </a:rPr>
+              <a:t>Pilot Results </a:t>
+            </a:r>
+            <a:r>
+              <a:rPr lang="en-US" b="1" dirty="0" smtClean="0">
+                <a:solidFill>
+                  <a:srgbClr val="FFFF00"/>
+                </a:solidFill>
+              </a:rPr>
+              <a:t>Meeting  - </a:t>
+            </a:r>
+            <a:r>
+              <a:rPr lang="en-US" b="1" dirty="0" smtClean="0"/>
+              <a:t>Present </a:t>
+            </a:r>
+            <a:r>
+              <a:rPr lang="en-US" b="1" dirty="0" smtClean="0"/>
+              <a:t>Results of Pilot Interventions</a:t>
             </a:r>
           </a:p>
           <a:p>
@@ -6032,97 +6131,27 @@
             </a:pPr>
             <a:r>
               <a:rPr lang="en-US" b="1" dirty="0" smtClean="0"/>
-              <a:t>How long implementation need to be in place for any benefit to be seen</a:t>
-            </a:r>
-          </a:p>
-          <a:p>
-            <a:r>
-              <a:rPr lang="en-US" b="1" dirty="0" smtClean="0">
-                <a:solidFill>
-                  <a:srgbClr val="FFFF00"/>
-                </a:solidFill>
-              </a:rPr>
-              <a:t>Post-Pilot Questionnaire Completion (after implementation ) </a:t>
-            </a:r>
+              <a:t>If Statistically Significant Improvement found:</a:t>
+            </a:r>
+          </a:p>
+          <a:p>
+            <a:pPr lvl="2"/>
             <a:r>
               <a:rPr lang="en-US" b="1" dirty="0" smtClean="0"/>
-              <a:t> AT ALL CLINICS not just Pilot sites</a:t>
-            </a:r>
-          </a:p>
-          <a:p>
-            <a:r>
-              <a:rPr lang="en-US" b="1" dirty="0" smtClean="0">
-                <a:solidFill>
-                  <a:srgbClr val="FFFF00"/>
-                </a:solidFill>
-              </a:rPr>
-              <a:t>Analyze Pre- and Post-Pilot Questionnaires’  </a:t>
+              <a:t>How to present this information To Albany to get whatever is necessary </a:t>
             </a:r>
             <a:r>
               <a:rPr lang="en-US" b="1" dirty="0" smtClean="0"/>
-              <a:t>(Mentis)</a:t>
-            </a:r>
-          </a:p>
-          <a:p>
-            <a:r>
-              <a:rPr lang="en-US" b="1" dirty="0" smtClean="0">
-                <a:solidFill>
-                  <a:srgbClr val="FFFF00"/>
-                </a:solidFill>
-              </a:rPr>
-              <a:t>Pilot Results Meeting</a:t>
-            </a:r>
-          </a:p>
-          <a:p>
-            <a:pPr lvl="1">
-              <a:buFont typeface="Arial" panose="020B0604020202020204" pitchFamily="34" charset="0"/>
-              <a:buChar char="•"/>
-            </a:pPr>
+              <a:t>to IMPROVE </a:t>
+            </a:r>
             <a:r>
               <a:rPr lang="en-US" b="1" dirty="0" smtClean="0"/>
-              <a:t>Present Results of Pilot Interventions</a:t>
-            </a:r>
-          </a:p>
-          <a:p>
-            <a:pPr lvl="1">
-              <a:buFont typeface="Arial" panose="020B0604020202020204" pitchFamily="34" charset="0"/>
-              <a:buChar char="•"/>
-            </a:pPr>
+              <a:t>PATIENT FLOW/CARE  IN </a:t>
+            </a:r>
             <a:r>
               <a:rPr lang="en-US" b="1" dirty="0" smtClean="0"/>
-              <a:t>If Statistically Significant Improvement found:</a:t>
-            </a:r>
-          </a:p>
-          <a:p>
-            <a:pPr lvl="2"/>
-            <a:r>
-              <a:rPr lang="en-US" b="1" dirty="0" smtClean="0"/>
-              <a:t>How to present this information To Albany to get whatever is necessary to</a:t>
-            </a:r>
-          </a:p>
-          <a:p>
-            <a:pPr lvl="2"/>
-            <a:r>
-              <a:rPr lang="en-US" b="1" smtClean="0"/>
-              <a:t>IMPROVE </a:t>
-            </a:r>
-            <a:r>
-              <a:rPr lang="en-US" b="1" dirty="0" smtClean="0"/>
-              <a:t>PATIENT FLOW/CARE  IN CLINICS</a:t>
-            </a:r>
-          </a:p>
-          <a:p>
-            <a:pPr lvl="1">
-              <a:buFont typeface="Arial" panose="020B0604020202020204" pitchFamily="34" charset="0"/>
-              <a:buChar char="•"/>
-            </a:pPr>
-            <a:endParaRPr lang="en-US" b="1" dirty="0" smtClean="0"/>
-          </a:p>
-          <a:p>
-            <a:endParaRPr lang="en-US" b="1" dirty="0" smtClean="0"/>
-          </a:p>
-          <a:p>
-            <a:pPr lvl="2"/>
+              <a:t>CLINICS</a:t>
+            </a:r>
             <a:endParaRPr lang="en-US" b="1" dirty="0" smtClean="0"/>
           </a:p>
           <a:p>
@@ -7433,104 +7462,6 @@
                       </p:childTnLst>
                     </p:cTn>
                   </p:par>
-                  <p:par>
-                    <p:cTn id="107" fill="hold">
-                      <p:stCondLst>
-                        <p:cond delay="indefinite"/>
-                      </p:stCondLst>
-                      <p:childTnLst>
-                        <p:par>
-                          <p:cTn id="108" fill="hold">
-                            <p:stCondLst>
-                              <p:cond delay="0"/>
-                            </p:stCondLst>
-                            <p:childTnLst>
-                              <p:par>
-                                <p:cTn id="109" presetID="1" presetClass="entr" presetSubtype="0" fill="hold" nodeType="clickEffect">
-                                  <p:stCondLst>
-                                    <p:cond delay="0"/>
-                                  </p:stCondLst>
-                                  <p:childTnLst>
-                                    <p:set>
-                                      <p:cBhvr>
-                                        <p:cTn id="110" dur="1" fill="hold">
-                                          <p:stCondLst>
-                                            <p:cond delay="0"/>
-                                          </p:stCondLst>
-                                        </p:cTn>
-                                        <p:tgtEl>
-                                          <p:spTgt spid="3">
-                                            <p:txEl>
-                                              <p:pRg st="26" end="26"/>
-                                            </p:txEl>
-                                          </p:spTgt>
-                                        </p:tgtEl>
-                                        <p:attrNameLst>
-                                          <p:attrName>style.visibility</p:attrName>
-                                        </p:attrNameLst>
-                                      </p:cBhvr>
-                                      <p:to>
-                                        <p:strVal val="visible"/>
-                                      </p:to>
-                                    </p:set>
-                                  </p:childTnLst>
-                                </p:cTn>
-                              </p:par>
-                            </p:childTnLst>
-                          </p:cTn>
-                        </p:par>
-                      </p:childTnLst>
-                    </p:cTn>
-                  </p:par>
-                  <p:par>
-                    <p:cTn id="111" fill="hold">
-                      <p:stCondLst>
-                        <p:cond delay="indefinite"/>
-                      </p:stCondLst>
-                      <p:childTnLst>
-                        <p:par>
-                          <p:cTn id="112" fill="hold">
-                            <p:stCondLst>
-                              <p:cond delay="0"/>
-                            </p:stCondLst>
-                            <p:childTnLst>
-                              <p:par>
-                                <p:cTn id="113" presetID="1" presetClass="entr" presetSubtype="0" fill="hold" nodeType="clickEffect">
-                                  <p:stCondLst>
-                                    <p:cond delay="0"/>
-                                  </p:stCondLst>
-                                  <p:childTnLst>
-                                    <p:set>
-                                      <p:cBhvr>
-                                        <p:cTn id="114" dur="1" fill="hold">
-                                          <p:stCondLst>
-                                            <p:cond delay="0"/>
-                                          </p:stCondLst>
-                                        </p:cTn>
-                                        <p:tgtEl>
-                                          <p:spTgt spid="3">
-                                            <p:txEl>
-                                              <p:pRg st="27" end="27"/>
-                                            </p:txEl>
-                                          </p:spTgt>
-                                        </p:tgtEl>
-                                        <p:attrNameLst>
-                                          <p:attrName>style.visibility</p:attrName>
-                                        </p:attrNameLst>
-                                      </p:cBhvr>
-                                      <p:to>
-                                        <p:strVal val="visible"/>
-                                      </p:to>
-                                    </p:set>
-                                  </p:childTnLst>
-                                </p:cTn>
-                              </p:par>
-                            </p:childTnLst>
-                          </p:cTn>
-                        </p:par>
-                      </p:childTnLst>
-                    </p:cTn>
-                  </p:par>
                 </p:childTnLst>
               </p:cTn>
               <p:prevCondLst>

--- a/Clinics7_7_16.pptx
+++ b/Clinics7_7_16.pptx
@@ -110,7 +110,7 @@
   </p:defaultTextStyle>
   <p:extLst>
     <p:ext uri="{EFAFB233-063F-42B5-8137-9DF3F51BA10A}">
-      <p15:sldGuideLst xmlns:p15="http://schemas.microsoft.com/office/powerpoint/2012/main" xmlns="">
+      <p15:sldGuideLst xmlns="" xmlns:p15="http://schemas.microsoft.com/office/powerpoint/2012/main">
         <p15:guide id="1" orient="horz" pos="2160">
           <p15:clr>
             <a:srgbClr val="A4A3A4"/>
@@ -3199,15 +3199,7 @@
             </a:br>
             <a:r>
               <a:rPr lang="en-US" sz="2000" dirty="0" smtClean="0"/>
-              <a:t>Methodology and Progress </a:t>
-            </a:r>
-            <a:r>
-              <a:rPr lang="en-US" sz="2000" dirty="0" smtClean="0"/>
-              <a:t> - So </a:t>
-            </a:r>
-            <a:r>
-              <a:rPr lang="en-US" sz="2000" dirty="0" smtClean="0"/>
-              <a:t>Far</a:t>
+              <a:t>Methodology and Progress  - So Far</a:t>
             </a:r>
             <a:br>
               <a:rPr lang="en-US" sz="2000" dirty="0" smtClean="0"/>
@@ -5060,15 +5052,7 @@
                   <a:schemeClr val="bg1"/>
                 </a:solidFill>
               </a:rPr>
-              <a:t>I think this is summary </a:t>
-            </a:r>
-            <a:r>
-              <a:rPr lang="en-US" sz="1400" b="1" dirty="0" smtClean="0">
-                <a:solidFill>
-                  <a:schemeClr val="bg1"/>
-                </a:solidFill>
-              </a:rPr>
-              <a:t>of data from original 5/11/16 meeting</a:t>
+              <a:t>I think this is summary of data from original 5/11/16 meeting</a:t>
             </a:r>
           </a:p>
           <a:p>
@@ -5082,21 +5066,8 @@
                   <a:schemeClr val="bg1"/>
                 </a:solidFill>
               </a:rPr>
-              <a:t>If  true </a:t>
-            </a:r>
-            <a:r>
-              <a:rPr lang="en-US" sz="1400" b="1" dirty="0" smtClean="0">
-                <a:solidFill>
-                  <a:schemeClr val="bg1"/>
-                </a:solidFill>
-              </a:rPr>
-              <a:t>that PCs have problems that have not been identified then:</a:t>
-            </a:r>
-            <a:endParaRPr lang="en-US" sz="1400" b="1" dirty="0" smtClean="0">
-              <a:solidFill>
-                <a:schemeClr val="bg1"/>
-              </a:solidFill>
-            </a:endParaRPr>
+              <a:t>If  true that PCs have problems that have not been identified then:</a:t>
+            </a:r>
           </a:p>
           <a:p>
             <a:pPr marL="742950" lvl="1" indent="-285750">
@@ -5109,15 +5080,7 @@
                   <a:schemeClr val="bg1"/>
                 </a:solidFill>
               </a:rPr>
-              <a:t>Not </a:t>
-            </a:r>
-            <a:r>
-              <a:rPr lang="en-US" sz="1400" b="1" dirty="0" smtClean="0">
-                <a:solidFill>
-                  <a:schemeClr val="bg1"/>
-                </a:solidFill>
-              </a:rPr>
-              <a:t>evaluated by “Clinic </a:t>
+              <a:t>Not evaluated by “Clinic </a:t>
             </a:r>
             <a:r>
               <a:rPr lang="en-US" sz="1400" b="1" dirty="0" err="1" smtClean="0">
@@ -5147,39 +5110,7 @@
                   <a:schemeClr val="bg1"/>
                 </a:solidFill>
               </a:rPr>
-              <a:t>No new </a:t>
-            </a:r>
-            <a:r>
-              <a:rPr lang="en-US" sz="1400" b="1" dirty="0" smtClean="0">
-                <a:solidFill>
-                  <a:schemeClr val="bg1"/>
-                </a:solidFill>
-              </a:rPr>
-              <a:t>interventions </a:t>
-            </a:r>
-            <a:r>
-              <a:rPr lang="en-US" sz="1400" b="1" dirty="0" smtClean="0">
-                <a:solidFill>
-                  <a:schemeClr val="bg1"/>
-                </a:solidFill>
-              </a:rPr>
-              <a:t> will be tried </a:t>
-            </a:r>
-            <a:r>
-              <a:rPr lang="en-US" sz="1400" b="1" dirty="0" smtClean="0">
-                <a:solidFill>
-                  <a:schemeClr val="bg1"/>
-                </a:solidFill>
-              </a:rPr>
-              <a:t>in </a:t>
-            </a:r>
-            <a:r>
-              <a:rPr lang="en-US" sz="1400" b="1" dirty="0" smtClean="0">
-                <a:solidFill>
-                  <a:schemeClr val="bg1"/>
-                </a:solidFill>
-              </a:rPr>
-              <a:t>Pilot</a:t>
+              <a:t>No new interventions  will be tried in Pilot</a:t>
             </a:r>
           </a:p>
           <a:p>
@@ -5193,31 +5124,7 @@
                   <a:schemeClr val="bg1"/>
                 </a:solidFill>
               </a:rPr>
-              <a:t>Reduced</a:t>
-            </a:r>
-            <a:r>
-              <a:rPr lang="en-US" sz="1400" b="1" dirty="0" smtClean="0">
-                <a:solidFill>
-                  <a:schemeClr val="bg1"/>
-                </a:solidFill>
-              </a:rPr>
-              <a:t> </a:t>
-            </a:r>
-            <a:r>
-              <a:rPr lang="en-US" sz="1400" b="1" dirty="0" smtClean="0">
-                <a:solidFill>
-                  <a:schemeClr val="bg1"/>
-                </a:solidFill>
-              </a:rPr>
-              <a:t>chance of </a:t>
-            </a:r>
-            <a:r>
-              <a:rPr lang="en-US" sz="1400" b="1" dirty="0" smtClean="0">
-                <a:solidFill>
-                  <a:schemeClr val="bg1"/>
-                </a:solidFill>
-              </a:rPr>
-              <a:t>improving their working situation </a:t>
+              <a:t>Reduced chance of improving their working situation </a:t>
             </a:r>
             <a:r>
               <a:rPr lang="en-US" sz="1400" b="1" dirty="0" err="1" smtClean="0">
@@ -5265,11 +5172,6 @@
               </a:rPr>
               <a:t>(Can be given voice:  - If PCs enter these issues in “OTHER” section of Clinic Questionnaire) </a:t>
             </a:r>
-            <a:endParaRPr lang="en-US" sz="1400" b="1" dirty="0" smtClean="0">
-              <a:solidFill>
-                <a:schemeClr val="bg1"/>
-              </a:solidFill>
-            </a:endParaRPr>
           </a:p>
         </p:txBody>
       </p:sp>
@@ -5804,13 +5706,8 @@
             </a:r>
             <a:r>
               <a:rPr lang="en-US" b="1" dirty="0" smtClean="0"/>
-              <a:t> </a:t>
-            </a:r>
-            <a:r>
-              <a:rPr lang="en-US" b="1" dirty="0" smtClean="0"/>
-              <a:t>completed by Mentis</a:t>
-            </a:r>
-            <a:endParaRPr lang="en-US" b="1" dirty="0" smtClean="0"/>
+              <a:t> completed by Mentis</a:t>
+            </a:r>
           </a:p>
           <a:p>
             <a:r>
@@ -5849,8 +5746,24 @@
             </a:pPr>
             <a:r>
               <a:rPr lang="en-US" b="1" dirty="0" smtClean="0"/>
-              <a:t>Show and revise Clinic Questionnaire</a:t>
-            </a:r>
+              <a:t>Show and revise Clinic </a:t>
+            </a:r>
+            <a:r>
+              <a:rPr lang="en-US" b="1" dirty="0" smtClean="0"/>
+              <a:t>Questionnaire</a:t>
+            </a:r>
+          </a:p>
+          <a:p>
+            <a:pPr lvl="2"/>
+            <a:r>
+              <a:rPr lang="en-US" b="1" dirty="0" smtClean="0"/>
+              <a:t>Aim: Identify and Quantify Problems in real-time.  Validate against Staff Perceptions </a:t>
+            </a:r>
+            <a:r>
+              <a:rPr lang="en-US" b="1" smtClean="0"/>
+              <a:t>of problems</a:t>
+            </a:r>
+            <a:endParaRPr lang="en-US" b="1" dirty="0" smtClean="0"/>
           </a:p>
           <a:p>
             <a:pPr lvl="1">
@@ -5916,15 +5829,7 @@
             <a:pPr lvl="2"/>
             <a:r>
               <a:rPr lang="en-US" b="1" dirty="0" smtClean="0"/>
-              <a:t>?Staff copy onto desktop from common </a:t>
-            </a:r>
-            <a:r>
-              <a:rPr lang="en-US" b="1" dirty="0" smtClean="0"/>
-              <a:t>server/memory stick  </a:t>
-            </a:r>
-            <a:r>
-              <a:rPr lang="en-US" b="1" dirty="0" smtClean="0"/>
-              <a:t>?? Staff give computer No to IT who place on Desktop</a:t>
+              <a:t>?Staff copy onto desktop from common server/memory stick  ?? Staff give computer No to IT who place on Desktop</a:t>
             </a:r>
           </a:p>
           <a:p>
@@ -5948,33 +5853,17 @@
             </a:r>
             <a:r>
               <a:rPr lang="en-US" b="1" dirty="0" smtClean="0"/>
-              <a:t>in </a:t>
-            </a:r>
-            <a:r>
-              <a:rPr lang="en-US" b="1" dirty="0" smtClean="0"/>
-              <a:t>Real-Time, over two weeks </a:t>
-            </a:r>
-            <a:r>
-              <a:rPr lang="en-US" b="1" dirty="0" smtClean="0"/>
-              <a:t>in Pilot-Clinics, by MDs and PCs</a:t>
-            </a:r>
-          </a:p>
-          <a:p>
-            <a:r>
-              <a:rPr lang="en-US" b="1" smtClean="0">
+              <a:t>in Real-Time, over two weeks in Pilot-Clinics, by MDs and PCs</a:t>
+            </a:r>
+          </a:p>
+          <a:p>
+            <a:r>
+              <a:rPr lang="en-US" b="1" dirty="0" smtClean="0">
                 <a:solidFill>
                   <a:srgbClr val="FFFF00"/>
                 </a:solidFill>
               </a:rPr>
-              <a:t>Pre-Pilot </a:t>
-            </a:r>
-            <a:r>
-              <a:rPr lang="en-US" b="1" dirty="0" smtClean="0">
-                <a:solidFill>
-                  <a:srgbClr val="FFFF00"/>
-                </a:solidFill>
-              </a:rPr>
-              <a:t>Questionnaire Analysis </a:t>
+              <a:t>Pre-Pilot Questionnaire Analysis </a:t>
             </a:r>
             <a:r>
               <a:rPr lang="en-US" b="1" dirty="0" smtClean="0"/>
@@ -6048,11 +5937,7 @@
             </a:pPr>
             <a:r>
               <a:rPr lang="en-US" b="1" dirty="0" smtClean="0"/>
-              <a:t>How long implementation need to be in place for any benefit to be </a:t>
-            </a:r>
-            <a:r>
-              <a:rPr lang="en-US" b="1" dirty="0" smtClean="0"/>
-              <a:t>seen</a:t>
+              <a:t>How long implementation need to be in place for any benefit to be seen</a:t>
             </a:r>
           </a:p>
           <a:p>
@@ -6068,7 +5953,6 @@
               <a:rPr lang="en-US" b="1" dirty="0" smtClean="0"/>
               <a:t>– Institute changes into chosen clinics for chosen amount of time</a:t>
             </a:r>
-            <a:endParaRPr lang="en-US" b="1" dirty="0" smtClean="0"/>
           </a:p>
           <a:p>
             <a:r>
@@ -6105,23 +5989,11 @@
                   <a:srgbClr val="FFFF00"/>
                 </a:solidFill>
               </a:rPr>
-              <a:t>Pilot Results </a:t>
-            </a:r>
-            <a:r>
-              <a:rPr lang="en-US" b="1" dirty="0" smtClean="0">
-                <a:solidFill>
-                  <a:srgbClr val="FFFF00"/>
-                </a:solidFill>
-              </a:rPr>
-              <a:t>Meeting  - </a:t>
+              <a:t>Pilot Results Meeting  - </a:t>
             </a:r>
             <a:r>
               <a:rPr lang="en-US" b="1" dirty="0" smtClean="0"/>
-              <a:t>Present </a:t>
-            </a:r>
-            <a:r>
-              <a:rPr lang="en-US" b="1" dirty="0" smtClean="0"/>
-              <a:t>Results of Pilot Interventions</a:t>
+              <a:t>Present Results of Pilot Interventions</a:t>
             </a:r>
           </a:p>
           <a:p>
@@ -6138,21 +6010,8 @@
             <a:pPr lvl="2"/>
             <a:r>
               <a:rPr lang="en-US" b="1" dirty="0" smtClean="0"/>
-              <a:t>How to present this information To Albany to get whatever is necessary </a:t>
-            </a:r>
-            <a:r>
-              <a:rPr lang="en-US" b="1" dirty="0" smtClean="0"/>
-              <a:t>to IMPROVE </a:t>
-            </a:r>
-            <a:r>
-              <a:rPr lang="en-US" b="1" dirty="0" smtClean="0"/>
-              <a:t>PATIENT FLOW/CARE  IN </a:t>
-            </a:r>
-            <a:r>
-              <a:rPr lang="en-US" b="1" dirty="0" smtClean="0"/>
-              <a:t>CLINICS</a:t>
-            </a:r>
-            <a:endParaRPr lang="en-US" b="1" dirty="0" smtClean="0"/>
+              <a:t>How to present this information To Albany to get whatever is necessary to IMPROVE PATIENT FLOW/CARE  IN CLINICS</a:t>
+            </a:r>
           </a:p>
           <a:p>
             <a:pPr lvl="1"/>
@@ -7462,6 +7321,55 @@
                       </p:childTnLst>
                     </p:cTn>
                   </p:par>
+                  <p:par>
+                    <p:cTn id="107" fill="hold">
+                      <p:stCondLst>
+                        <p:cond delay="indefinite"/>
+                      </p:stCondLst>
+                      <p:childTnLst>
+                        <p:par>
+                          <p:cTn id="108" fill="hold">
+                            <p:stCondLst>
+                              <p:cond delay="0"/>
+                            </p:stCondLst>
+                            <p:childTnLst>
+                              <p:par>
+                                <p:cTn id="109" presetID="1" presetClass="entr" presetSubtype="0" fill="hold" nodeType="clickEffect">
+                                  <p:stCondLst>
+                                    <p:cond delay="0"/>
+                                  </p:stCondLst>
+                                  <p:childTnLst>
+                                    <p:set>
+                                      <p:cBhvr>
+                                        <p:cTn id="110" dur="1" fill="hold">
+                                          <p:stCondLst>
+                                            <p:cond delay="0"/>
+                                          </p:stCondLst>
+                                        </p:cTn>
+                                        <p:tgtEl>
+                                          <p:spTgt spid="3">
+                                            <p:txEl>
+                                              <p:pRg st="26" end="26"/>
+                                            </p:txEl>
+                                          </p:spTgt>
+                                        </p:tgtEl>
+                                        <p:attrNameLst>
+                                          <p:attrName>style.visibility</p:attrName>
+                                        </p:attrNameLst>
+                                      </p:cBhvr>
+                                      <p:to>
+                                        <p:strVal val="visible"/>
+                                      </p:to>
+                                    </p:set>
+                                  </p:childTnLst>
+                                </p:cTn>
+                              </p:par>
+                            </p:childTnLst>
+                          </p:cTn>
+                        </p:par>
+                      </p:childTnLst>
+                    </p:cTn>
+                  </p:par>
                 </p:childTnLst>
               </p:cTn>
               <p:prevCondLst>

--- a/Clinics7_7_16.pptx
+++ b/Clinics7_7_16.pptx
@@ -110,7 +110,7 @@
   </p:defaultTextStyle>
   <p:extLst>
     <p:ext uri="{EFAFB233-063F-42B5-8137-9DF3F51BA10A}">
-      <p15:sldGuideLst xmlns="" xmlns:p15="http://schemas.microsoft.com/office/powerpoint/2012/main">
+      <p15:sldGuideLst xmlns:p15="http://schemas.microsoft.com/office/powerpoint/2012/main" xmlns="">
         <p15:guide id="1" orient="horz" pos="2160">
           <p15:clr>
             <a:srgbClr val="A4A3A4"/>
@@ -5746,22 +5746,25 @@
             </a:pPr>
             <a:r>
               <a:rPr lang="en-US" b="1" dirty="0" smtClean="0"/>
-              <a:t>Show and revise Clinic </a:t>
-            </a:r>
+              <a:t>Show and revise Clinic Questionnaire</a:t>
+            </a:r>
+          </a:p>
+          <a:p>
+            <a:pPr lvl="2"/>
             <a:r>
               <a:rPr lang="en-US" b="1" dirty="0" smtClean="0"/>
-              <a:t>Questionnaire</a:t>
+              <a:t>Aim: Identify and Quantify Problems in real-time.  Validate against Staff Perceptions of </a:t>
+            </a:r>
+            <a:r>
+              <a:rPr lang="en-US" b="1" dirty="0" smtClean="0"/>
+              <a:t>problems</a:t>
             </a:r>
           </a:p>
           <a:p>
             <a:pPr lvl="2"/>
             <a:r>
               <a:rPr lang="en-US" b="1" dirty="0" smtClean="0"/>
-              <a:t>Aim: Identify and Quantify Problems in real-time.  Validate against Staff Perceptions </a:t>
-            </a:r>
-            <a:r>
-              <a:rPr lang="en-US" b="1" smtClean="0"/>
-              <a:t>of problems</a:t>
+              <a:t>Quick/easy to fill out, but still be valid and comprehensive enough for data to be useful</a:t>
             </a:r>
             <a:endParaRPr lang="en-US" b="1" dirty="0" smtClean="0"/>
           </a:p>
@@ -7370,6 +7373,55 @@
                       </p:childTnLst>
                     </p:cTn>
                   </p:par>
+                  <p:par>
+                    <p:cTn id="111" fill="hold">
+                      <p:stCondLst>
+                        <p:cond delay="indefinite"/>
+                      </p:stCondLst>
+                      <p:childTnLst>
+                        <p:par>
+                          <p:cTn id="112" fill="hold">
+                            <p:stCondLst>
+                              <p:cond delay="0"/>
+                            </p:stCondLst>
+                            <p:childTnLst>
+                              <p:par>
+                                <p:cTn id="113" presetID="1" presetClass="entr" presetSubtype="0" fill="hold" nodeType="clickEffect">
+                                  <p:stCondLst>
+                                    <p:cond delay="0"/>
+                                  </p:stCondLst>
+                                  <p:childTnLst>
+                                    <p:set>
+                                      <p:cBhvr>
+                                        <p:cTn id="114" dur="1" fill="hold">
+                                          <p:stCondLst>
+                                            <p:cond delay="0"/>
+                                          </p:stCondLst>
+                                        </p:cTn>
+                                        <p:tgtEl>
+                                          <p:spTgt spid="3">
+                                            <p:txEl>
+                                              <p:pRg st="27" end="27"/>
+                                            </p:txEl>
+                                          </p:spTgt>
+                                        </p:tgtEl>
+                                        <p:attrNameLst>
+                                          <p:attrName>style.visibility</p:attrName>
+                                        </p:attrNameLst>
+                                      </p:cBhvr>
+                                      <p:to>
+                                        <p:strVal val="visible"/>
+                                      </p:to>
+                                    </p:set>
+                                  </p:childTnLst>
+                                </p:cTn>
+                              </p:par>
+                            </p:childTnLst>
+                          </p:cTn>
+                        </p:par>
+                      </p:childTnLst>
+                    </p:cTn>
+                  </p:par>
                 </p:childTnLst>
               </p:cTn>
               <p:prevCondLst>
